--- a/Figure-5-1/Figure51/Figure51_fullslide.pptx
+++ b/Figure-5-1/Figure51/Figure51_fullslide.pptx
@@ -697,6 +697,60 @@
             <a:r>
               <a:rPr/>
               <a:t>2020-21</a:t>
+            </a:r>
+          </a:p>
+          <a:p>
+            <a:pPr lvl="0" marL="0" indent="0">
+              <a:buNone/>
+            </a:pPr>
+          </a:p>
+          <a:p>
+            <a:pPr lvl="0" marL="0" indent="0">
+              <a:buNone/>
+            </a:pPr>
+            <a:r>
+              <a:rPr/>
+              <a:t>Source:</a:t>
+            </a:r>
+            <a:r>
+              <a:rPr/>
+              <a:t> </a:t>
+            </a:r>
+            <a:r>
+              <a:rPr/>
+              <a:t>ATO</a:t>
+            </a:r>
+            <a:r>
+              <a:rPr/>
+              <a:t> </a:t>
+            </a:r>
+            <a:r>
+              <a:rPr/>
+              <a:t>2017-18</a:t>
+            </a:r>
+            <a:r>
+              <a:rPr/>
+              <a:t> </a:t>
+            </a:r>
+            <a:r>
+              <a:rPr/>
+              <a:t>2%</a:t>
+            </a:r>
+            <a:r>
+              <a:rPr/>
+              <a:t> </a:t>
+            </a:r>
+            <a:r>
+              <a:rPr/>
+              <a:t>sample</a:t>
+            </a:r>
+            <a:r>
+              <a:rPr/>
+              <a:t> </a:t>
+            </a:r>
+            <a:r>
+              <a:rPr/>
+              <a:t>file</a:t>
             </a:r>
           </a:p>
           <a:p>
@@ -4194,8 +4248,8 @@
           </p:nvSpPr>
           <p:spPr>
             <a:xfrm>
-              <a:off x="1524879" y="1371747"/>
-              <a:ext cx="6219420" cy="5455914"/>
+              <a:off x="1678533" y="1371747"/>
+              <a:ext cx="5912113" cy="5455914"/>
             </a:xfrm>
             <a:prstGeom prst="rect">
               <a:avLst/>
@@ -4220,8 +4274,8 @@
           </p:nvSpPr>
           <p:spPr>
             <a:xfrm>
-              <a:off x="1583645" y="1463187"/>
-              <a:ext cx="5195592" cy="5195592"/>
+              <a:off x="1737298" y="1463187"/>
+              <a:ext cx="4888285" cy="4888285"/>
             </a:xfrm>
             <a:prstGeom prst="rect">
               <a:avLst/>
@@ -4246,195 +4300,195 @@
           </p:nvSpPr>
           <p:spPr>
             <a:xfrm>
-              <a:off x="4181441" y="1982747"/>
-              <a:ext cx="257444" cy="2078237"/>
+              <a:off x="4181441" y="1952016"/>
+              <a:ext cx="242217" cy="1955314"/>
             </a:xfrm>
             <a:custGeom>
               <a:avLst/>
               <a:pathLst>
-                <a:path w="257444" h="2078237">
+                <a:path w="242217" h="1955314">
                   <a:moveTo>
-                    <a:pt x="0" y="2078237"/>
+                    <a:pt x="0" y="1955314"/>
                   </a:moveTo>
                   <a:lnTo>
-                    <a:pt x="8877" y="2007125"/>
-                  </a:lnTo>
-                  <a:lnTo>
-                    <a:pt x="17754" y="1936014"/>
-                  </a:lnTo>
-                  <a:lnTo>
-                    <a:pt x="26632" y="1864902"/>
-                  </a:lnTo>
-                  <a:lnTo>
-                    <a:pt x="35509" y="1793791"/>
-                  </a:lnTo>
-                  <a:lnTo>
-                    <a:pt x="44386" y="1722680"/>
-                  </a:lnTo>
-                  <a:lnTo>
-                    <a:pt x="53264" y="1651568"/>
-                  </a:lnTo>
-                  <a:lnTo>
-                    <a:pt x="62141" y="1580457"/>
-                  </a:lnTo>
-                  <a:lnTo>
-                    <a:pt x="71019" y="1509346"/>
-                  </a:lnTo>
-                  <a:lnTo>
-                    <a:pt x="79896" y="1438234"/>
-                  </a:lnTo>
-                  <a:lnTo>
-                    <a:pt x="88773" y="1367123"/>
-                  </a:lnTo>
-                  <a:lnTo>
-                    <a:pt x="97651" y="1296011"/>
-                  </a:lnTo>
-                  <a:lnTo>
-                    <a:pt x="106528" y="1224900"/>
-                  </a:lnTo>
-                  <a:lnTo>
-                    <a:pt x="115406" y="1153789"/>
-                  </a:lnTo>
-                  <a:lnTo>
-                    <a:pt x="124283" y="1082677"/>
-                  </a:lnTo>
-                  <a:lnTo>
-                    <a:pt x="133160" y="1011566"/>
-                  </a:lnTo>
-                  <a:lnTo>
-                    <a:pt x="142038" y="940455"/>
-                  </a:lnTo>
-                  <a:lnTo>
-                    <a:pt x="150915" y="869343"/>
-                  </a:lnTo>
-                  <a:lnTo>
-                    <a:pt x="159793" y="798232"/>
-                  </a:lnTo>
-                  <a:lnTo>
-                    <a:pt x="168670" y="727120"/>
-                  </a:lnTo>
-                  <a:lnTo>
-                    <a:pt x="177547" y="656009"/>
-                  </a:lnTo>
-                  <a:lnTo>
-                    <a:pt x="186425" y="584898"/>
-                  </a:lnTo>
-                  <a:lnTo>
-                    <a:pt x="195302" y="513786"/>
-                  </a:lnTo>
-                  <a:lnTo>
-                    <a:pt x="204180" y="442675"/>
-                  </a:lnTo>
-                  <a:lnTo>
-                    <a:pt x="213057" y="371564"/>
-                  </a:lnTo>
-                  <a:lnTo>
-                    <a:pt x="221934" y="300452"/>
-                  </a:lnTo>
-                  <a:lnTo>
-                    <a:pt x="230812" y="229341"/>
-                  </a:lnTo>
-                  <a:lnTo>
-                    <a:pt x="239689" y="158230"/>
-                  </a:lnTo>
-                  <a:lnTo>
-                    <a:pt x="248567" y="87118"/>
-                  </a:lnTo>
-                  <a:lnTo>
-                    <a:pt x="257444" y="16007"/>
-                  </a:lnTo>
-                  <a:lnTo>
-                    <a:pt x="171875" y="7119"/>
-                  </a:lnTo>
-                  <a:lnTo>
-                    <a:pt x="86011" y="1780"/>
+                    <a:pt x="8352" y="1888408"/>
+                  </a:lnTo>
+                  <a:lnTo>
+                    <a:pt x="16704" y="1821503"/>
+                  </a:lnTo>
+                  <a:lnTo>
+                    <a:pt x="25056" y="1754598"/>
+                  </a:lnTo>
+                  <a:lnTo>
+                    <a:pt x="33409" y="1687693"/>
+                  </a:lnTo>
+                  <a:lnTo>
+                    <a:pt x="41761" y="1620787"/>
+                  </a:lnTo>
+                  <a:lnTo>
+                    <a:pt x="50113" y="1553882"/>
+                  </a:lnTo>
+                  <a:lnTo>
+                    <a:pt x="58466" y="1486977"/>
+                  </a:lnTo>
+                  <a:lnTo>
+                    <a:pt x="66818" y="1420071"/>
+                  </a:lnTo>
+                  <a:lnTo>
+                    <a:pt x="75170" y="1353166"/>
+                  </a:lnTo>
+                  <a:lnTo>
+                    <a:pt x="83523" y="1286261"/>
+                  </a:lnTo>
+                  <a:lnTo>
+                    <a:pt x="91875" y="1219355"/>
+                  </a:lnTo>
+                  <a:lnTo>
+                    <a:pt x="100227" y="1152450"/>
+                  </a:lnTo>
+                  <a:lnTo>
+                    <a:pt x="108580" y="1085545"/>
+                  </a:lnTo>
+                  <a:lnTo>
+                    <a:pt x="116932" y="1018640"/>
+                  </a:lnTo>
+                  <a:lnTo>
+                    <a:pt x="125284" y="951734"/>
+                  </a:lnTo>
+                  <a:lnTo>
+                    <a:pt x="133637" y="884829"/>
+                  </a:lnTo>
+                  <a:lnTo>
+                    <a:pt x="141989" y="817924"/>
+                  </a:lnTo>
+                  <a:lnTo>
+                    <a:pt x="150341" y="751018"/>
+                  </a:lnTo>
+                  <a:lnTo>
+                    <a:pt x="158694" y="684113"/>
+                  </a:lnTo>
+                  <a:lnTo>
+                    <a:pt x="167046" y="617208"/>
+                  </a:lnTo>
+                  <a:lnTo>
+                    <a:pt x="175398" y="550302"/>
+                  </a:lnTo>
+                  <a:lnTo>
+                    <a:pt x="183750" y="483397"/>
+                  </a:lnTo>
+                  <a:lnTo>
+                    <a:pt x="192103" y="416492"/>
+                  </a:lnTo>
+                  <a:lnTo>
+                    <a:pt x="200455" y="349587"/>
+                  </a:lnTo>
+                  <a:lnTo>
+                    <a:pt x="208807" y="282681"/>
+                  </a:lnTo>
+                  <a:lnTo>
+                    <a:pt x="217160" y="215776"/>
+                  </a:lnTo>
+                  <a:lnTo>
+                    <a:pt x="225512" y="148871"/>
+                  </a:lnTo>
+                  <a:lnTo>
+                    <a:pt x="233864" y="81965"/>
+                  </a:lnTo>
+                  <a:lnTo>
+                    <a:pt x="242217" y="15060"/>
+                  </a:lnTo>
+                  <a:lnTo>
+                    <a:pt x="161709" y="6698"/>
+                  </a:lnTo>
+                  <a:lnTo>
+                    <a:pt x="80923" y="1675"/>
                   </a:lnTo>
                   <a:lnTo>
                     <a:pt x="0" y="0"/>
                   </a:lnTo>
                   <a:lnTo>
-                    <a:pt x="0" y="71663"/>
-                  </a:lnTo>
-                  <a:lnTo>
-                    <a:pt x="0" y="143326"/>
-                  </a:lnTo>
-                  <a:lnTo>
-                    <a:pt x="0" y="214990"/>
-                  </a:lnTo>
-                  <a:lnTo>
-                    <a:pt x="0" y="286653"/>
-                  </a:lnTo>
-                  <a:lnTo>
-                    <a:pt x="0" y="358316"/>
-                  </a:lnTo>
-                  <a:lnTo>
-                    <a:pt x="0" y="429980"/>
-                  </a:lnTo>
-                  <a:lnTo>
-                    <a:pt x="0" y="501643"/>
-                  </a:lnTo>
-                  <a:lnTo>
-                    <a:pt x="0" y="573306"/>
-                  </a:lnTo>
-                  <a:lnTo>
-                    <a:pt x="0" y="644970"/>
-                  </a:lnTo>
-                  <a:lnTo>
-                    <a:pt x="0" y="716633"/>
-                  </a:lnTo>
-                  <a:lnTo>
-                    <a:pt x="0" y="788296"/>
-                  </a:lnTo>
-                  <a:lnTo>
-                    <a:pt x="0" y="859960"/>
-                  </a:lnTo>
-                  <a:lnTo>
-                    <a:pt x="0" y="931623"/>
-                  </a:lnTo>
-                  <a:lnTo>
-                    <a:pt x="0" y="1003286"/>
-                  </a:lnTo>
-                  <a:lnTo>
-                    <a:pt x="0" y="1074950"/>
-                  </a:lnTo>
-                  <a:lnTo>
-                    <a:pt x="0" y="1146613"/>
-                  </a:lnTo>
-                  <a:lnTo>
-                    <a:pt x="0" y="1218276"/>
-                  </a:lnTo>
-                  <a:lnTo>
-                    <a:pt x="0" y="1289940"/>
-                  </a:lnTo>
-                  <a:lnTo>
-                    <a:pt x="0" y="1361603"/>
-                  </a:lnTo>
-                  <a:lnTo>
-                    <a:pt x="0" y="1433266"/>
-                  </a:lnTo>
-                  <a:lnTo>
-                    <a:pt x="0" y="1504930"/>
-                  </a:lnTo>
-                  <a:lnTo>
-                    <a:pt x="0" y="1576593"/>
-                  </a:lnTo>
-                  <a:lnTo>
-                    <a:pt x="0" y="1648256"/>
-                  </a:lnTo>
-                  <a:lnTo>
-                    <a:pt x="0" y="1719920"/>
-                  </a:lnTo>
-                  <a:lnTo>
-                    <a:pt x="0" y="1791583"/>
-                  </a:lnTo>
-                  <a:lnTo>
-                    <a:pt x="0" y="1863247"/>
-                  </a:lnTo>
-                  <a:lnTo>
-                    <a:pt x="0" y="1934910"/>
-                  </a:lnTo>
-                  <a:lnTo>
-                    <a:pt x="0" y="2006573"/>
+                    <a:pt x="0" y="67424"/>
+                  </a:lnTo>
+                  <a:lnTo>
+                    <a:pt x="0" y="134849"/>
+                  </a:lnTo>
+                  <a:lnTo>
+                    <a:pt x="0" y="202273"/>
+                  </a:lnTo>
+                  <a:lnTo>
+                    <a:pt x="0" y="269698"/>
+                  </a:lnTo>
+                  <a:lnTo>
+                    <a:pt x="0" y="337123"/>
+                  </a:lnTo>
+                  <a:lnTo>
+                    <a:pt x="0" y="404547"/>
+                  </a:lnTo>
+                  <a:lnTo>
+                    <a:pt x="0" y="471972"/>
+                  </a:lnTo>
+                  <a:lnTo>
+                    <a:pt x="0" y="539397"/>
+                  </a:lnTo>
+                  <a:lnTo>
+                    <a:pt x="0" y="606821"/>
+                  </a:lnTo>
+                  <a:lnTo>
+                    <a:pt x="0" y="674246"/>
+                  </a:lnTo>
+                  <a:lnTo>
+                    <a:pt x="0" y="741670"/>
+                  </a:lnTo>
+                  <a:lnTo>
+                    <a:pt x="0" y="809095"/>
+                  </a:lnTo>
+                  <a:lnTo>
+                    <a:pt x="0" y="876520"/>
+                  </a:lnTo>
+                  <a:lnTo>
+                    <a:pt x="0" y="943944"/>
+                  </a:lnTo>
+                  <a:lnTo>
+                    <a:pt x="0" y="1011369"/>
+                  </a:lnTo>
+                  <a:lnTo>
+                    <a:pt x="0" y="1078794"/>
+                  </a:lnTo>
+                  <a:lnTo>
+                    <a:pt x="0" y="1146218"/>
+                  </a:lnTo>
+                  <a:lnTo>
+                    <a:pt x="0" y="1213643"/>
+                  </a:lnTo>
+                  <a:lnTo>
+                    <a:pt x="0" y="1281067"/>
+                  </a:lnTo>
+                  <a:lnTo>
+                    <a:pt x="0" y="1348492"/>
+                  </a:lnTo>
+                  <a:lnTo>
+                    <a:pt x="0" y="1415917"/>
+                  </a:lnTo>
+                  <a:lnTo>
+                    <a:pt x="0" y="1483341"/>
+                  </a:lnTo>
+                  <a:lnTo>
+                    <a:pt x="0" y="1550766"/>
+                  </a:lnTo>
+                  <a:lnTo>
+                    <a:pt x="0" y="1618191"/>
+                  </a:lnTo>
+                  <a:lnTo>
+                    <a:pt x="0" y="1685615"/>
+                  </a:lnTo>
+                  <a:lnTo>
+                    <a:pt x="0" y="1753040"/>
+                  </a:lnTo>
+                  <a:lnTo>
+                    <a:pt x="0" y="1820465"/>
+                  </a:lnTo>
+                  <a:lnTo>
+                    <a:pt x="0" y="1887889"/>
                   </a:lnTo>
                   <a:close/>
                 </a:path>
@@ -4469,228 +4523,228 @@
           </p:nvSpPr>
           <p:spPr>
             <a:xfrm>
-              <a:off x="4181441" y="1998754"/>
-              <a:ext cx="1185584" cy="2062229"/>
+              <a:off x="4181441" y="1967077"/>
+              <a:ext cx="1115460" cy="1940253"/>
             </a:xfrm>
             <a:custGeom>
               <a:avLst/>
               <a:pathLst>
-                <a:path w="1185584" h="2062229">
+                <a:path w="1115460" h="1940253">
                   <a:moveTo>
-                    <a:pt x="0" y="2062229"/>
+                    <a:pt x="0" y="1940253"/>
                   </a:moveTo>
                   <a:lnTo>
-                    <a:pt x="40882" y="2003371"/>
-                  </a:lnTo>
-                  <a:lnTo>
-                    <a:pt x="81764" y="1944513"/>
-                  </a:lnTo>
-                  <a:lnTo>
-                    <a:pt x="122646" y="1885655"/>
-                  </a:lnTo>
-                  <a:lnTo>
-                    <a:pt x="163528" y="1826797"/>
-                  </a:lnTo>
-                  <a:lnTo>
-                    <a:pt x="204411" y="1767939"/>
-                  </a:lnTo>
-                  <a:lnTo>
-                    <a:pt x="245293" y="1709081"/>
-                  </a:lnTo>
-                  <a:lnTo>
-                    <a:pt x="286175" y="1650222"/>
-                  </a:lnTo>
-                  <a:lnTo>
-                    <a:pt x="327057" y="1591364"/>
-                  </a:lnTo>
-                  <a:lnTo>
-                    <a:pt x="367940" y="1532506"/>
-                  </a:lnTo>
-                  <a:lnTo>
-                    <a:pt x="408822" y="1473648"/>
-                  </a:lnTo>
-                  <a:lnTo>
-                    <a:pt x="449704" y="1414790"/>
-                  </a:lnTo>
-                  <a:lnTo>
-                    <a:pt x="490586" y="1355932"/>
-                  </a:lnTo>
-                  <a:lnTo>
-                    <a:pt x="531469" y="1297074"/>
-                  </a:lnTo>
-                  <a:lnTo>
-                    <a:pt x="572351" y="1238216"/>
-                  </a:lnTo>
-                  <a:lnTo>
-                    <a:pt x="613233" y="1179357"/>
-                  </a:lnTo>
-                  <a:lnTo>
-                    <a:pt x="654115" y="1120499"/>
-                  </a:lnTo>
-                  <a:lnTo>
-                    <a:pt x="694997" y="1061641"/>
-                  </a:lnTo>
-                  <a:lnTo>
-                    <a:pt x="735880" y="1002783"/>
-                  </a:lnTo>
-                  <a:lnTo>
-                    <a:pt x="776762" y="943925"/>
-                  </a:lnTo>
-                  <a:lnTo>
-                    <a:pt x="817644" y="885067"/>
-                  </a:lnTo>
-                  <a:lnTo>
-                    <a:pt x="858526" y="826209"/>
-                  </a:lnTo>
-                  <a:lnTo>
-                    <a:pt x="899409" y="767351"/>
-                  </a:lnTo>
-                  <a:lnTo>
-                    <a:pt x="940291" y="708492"/>
-                  </a:lnTo>
-                  <a:lnTo>
-                    <a:pt x="981173" y="649634"/>
-                  </a:lnTo>
-                  <a:lnTo>
-                    <a:pt x="1022055" y="590776"/>
-                  </a:lnTo>
-                  <a:lnTo>
-                    <a:pt x="1062938" y="531918"/>
-                  </a:lnTo>
-                  <a:lnTo>
-                    <a:pt x="1103820" y="473060"/>
-                  </a:lnTo>
-                  <a:lnTo>
-                    <a:pt x="1144702" y="414202"/>
-                  </a:lnTo>
-                  <a:lnTo>
-                    <a:pt x="1185584" y="355344"/>
-                  </a:lnTo>
-                  <a:lnTo>
-                    <a:pt x="1126017" y="315474"/>
-                  </a:lnTo>
-                  <a:lnTo>
-                    <a:pt x="1065109" y="277682"/>
-                  </a:lnTo>
-                  <a:lnTo>
-                    <a:pt x="1002935" y="242012"/>
-                  </a:lnTo>
-                  <a:lnTo>
-                    <a:pt x="939568" y="208509"/>
-                  </a:lnTo>
-                  <a:lnTo>
-                    <a:pt x="875083" y="177210"/>
-                  </a:lnTo>
-                  <a:lnTo>
-                    <a:pt x="809557" y="148154"/>
-                  </a:lnTo>
-                  <a:lnTo>
-                    <a:pt x="743068" y="121374"/>
-                  </a:lnTo>
-                  <a:lnTo>
-                    <a:pt x="675695" y="96904"/>
-                  </a:lnTo>
-                  <a:lnTo>
-                    <a:pt x="607518" y="74771"/>
-                  </a:lnTo>
-                  <a:lnTo>
-                    <a:pt x="538619" y="55003"/>
-                  </a:lnTo>
-                  <a:lnTo>
-                    <a:pt x="469078" y="37622"/>
-                  </a:lnTo>
-                  <a:lnTo>
-                    <a:pt x="398980" y="22650"/>
-                  </a:lnTo>
-                  <a:lnTo>
-                    <a:pt x="328407" y="10104"/>
-                  </a:lnTo>
-                  <a:lnTo>
-                    <a:pt x="257444" y="0"/>
-                  </a:lnTo>
-                  <a:lnTo>
-                    <a:pt x="248567" y="71111"/>
-                  </a:lnTo>
-                  <a:lnTo>
-                    <a:pt x="239689" y="142222"/>
-                  </a:lnTo>
-                  <a:lnTo>
-                    <a:pt x="230812" y="213334"/>
-                  </a:lnTo>
-                  <a:lnTo>
-                    <a:pt x="221934" y="284445"/>
-                  </a:lnTo>
-                  <a:lnTo>
-                    <a:pt x="213057" y="355556"/>
-                  </a:lnTo>
-                  <a:lnTo>
-                    <a:pt x="204180" y="426668"/>
-                  </a:lnTo>
-                  <a:lnTo>
-                    <a:pt x="195302" y="497779"/>
-                  </a:lnTo>
-                  <a:lnTo>
-                    <a:pt x="186425" y="568890"/>
-                  </a:lnTo>
-                  <a:lnTo>
-                    <a:pt x="177547" y="640002"/>
-                  </a:lnTo>
-                  <a:lnTo>
-                    <a:pt x="168670" y="711113"/>
-                  </a:lnTo>
-                  <a:lnTo>
-                    <a:pt x="159793" y="782225"/>
-                  </a:lnTo>
-                  <a:lnTo>
-                    <a:pt x="150915" y="853336"/>
-                  </a:lnTo>
-                  <a:lnTo>
-                    <a:pt x="142038" y="924447"/>
-                  </a:lnTo>
-                  <a:lnTo>
-                    <a:pt x="133160" y="995559"/>
-                  </a:lnTo>
-                  <a:lnTo>
-                    <a:pt x="124283" y="1066670"/>
-                  </a:lnTo>
-                  <a:lnTo>
-                    <a:pt x="115406" y="1137781"/>
-                  </a:lnTo>
-                  <a:lnTo>
-                    <a:pt x="106528" y="1208893"/>
-                  </a:lnTo>
-                  <a:lnTo>
-                    <a:pt x="97651" y="1280004"/>
-                  </a:lnTo>
-                  <a:lnTo>
-                    <a:pt x="88773" y="1351116"/>
-                  </a:lnTo>
-                  <a:lnTo>
-                    <a:pt x="79896" y="1422227"/>
-                  </a:lnTo>
-                  <a:lnTo>
-                    <a:pt x="71019" y="1493338"/>
-                  </a:lnTo>
-                  <a:lnTo>
-                    <a:pt x="62141" y="1564450"/>
-                  </a:lnTo>
-                  <a:lnTo>
-                    <a:pt x="53264" y="1635561"/>
-                  </a:lnTo>
-                  <a:lnTo>
-                    <a:pt x="44386" y="1706672"/>
-                  </a:lnTo>
-                  <a:lnTo>
-                    <a:pt x="35509" y="1777784"/>
-                  </a:lnTo>
-                  <a:lnTo>
-                    <a:pt x="26632" y="1848895"/>
-                  </a:lnTo>
-                  <a:lnTo>
-                    <a:pt x="17754" y="1920007"/>
-                  </a:lnTo>
-                  <a:lnTo>
-                    <a:pt x="8877" y="1991118"/>
+                    <a:pt x="38464" y="1884877"/>
+                  </a:lnTo>
+                  <a:lnTo>
+                    <a:pt x="76928" y="1829500"/>
+                  </a:lnTo>
+                  <a:lnTo>
+                    <a:pt x="115392" y="1774123"/>
+                  </a:lnTo>
+                  <a:lnTo>
+                    <a:pt x="153856" y="1718746"/>
+                  </a:lnTo>
+                  <a:lnTo>
+                    <a:pt x="192320" y="1663369"/>
+                  </a:lnTo>
+                  <a:lnTo>
+                    <a:pt x="230784" y="1607992"/>
+                  </a:lnTo>
+                  <a:lnTo>
+                    <a:pt x="269249" y="1552616"/>
+                  </a:lnTo>
+                  <a:lnTo>
+                    <a:pt x="307713" y="1497239"/>
+                  </a:lnTo>
+                  <a:lnTo>
+                    <a:pt x="346177" y="1441862"/>
+                  </a:lnTo>
+                  <a:lnTo>
+                    <a:pt x="384641" y="1386485"/>
+                  </a:lnTo>
+                  <a:lnTo>
+                    <a:pt x="423105" y="1331108"/>
+                  </a:lnTo>
+                  <a:lnTo>
+                    <a:pt x="461569" y="1275732"/>
+                  </a:lnTo>
+                  <a:lnTo>
+                    <a:pt x="500033" y="1220355"/>
+                  </a:lnTo>
+                  <a:lnTo>
+                    <a:pt x="538498" y="1164978"/>
+                  </a:lnTo>
+                  <a:lnTo>
+                    <a:pt x="576962" y="1109601"/>
+                  </a:lnTo>
+                  <a:lnTo>
+                    <a:pt x="615426" y="1054224"/>
+                  </a:lnTo>
+                  <a:lnTo>
+                    <a:pt x="653890" y="998848"/>
+                  </a:lnTo>
+                  <a:lnTo>
+                    <a:pt x="692354" y="943471"/>
+                  </a:lnTo>
+                  <a:lnTo>
+                    <a:pt x="730818" y="888094"/>
+                  </a:lnTo>
+                  <a:lnTo>
+                    <a:pt x="769282" y="832717"/>
+                  </a:lnTo>
+                  <a:lnTo>
+                    <a:pt x="807747" y="777340"/>
+                  </a:lnTo>
+                  <a:lnTo>
+                    <a:pt x="846211" y="721964"/>
+                  </a:lnTo>
+                  <a:lnTo>
+                    <a:pt x="884675" y="666587"/>
+                  </a:lnTo>
+                  <a:lnTo>
+                    <a:pt x="923139" y="611210"/>
+                  </a:lnTo>
+                  <a:lnTo>
+                    <a:pt x="961603" y="555833"/>
+                  </a:lnTo>
+                  <a:lnTo>
+                    <a:pt x="1000067" y="500456"/>
+                  </a:lnTo>
+                  <a:lnTo>
+                    <a:pt x="1038531" y="445080"/>
+                  </a:lnTo>
+                  <a:lnTo>
+                    <a:pt x="1076996" y="389703"/>
+                  </a:lnTo>
+                  <a:lnTo>
+                    <a:pt x="1115460" y="334326"/>
+                  </a:lnTo>
+                  <a:lnTo>
+                    <a:pt x="1059415" y="296814"/>
+                  </a:lnTo>
+                  <a:lnTo>
+                    <a:pt x="1002111" y="261257"/>
+                  </a:lnTo>
+                  <a:lnTo>
+                    <a:pt x="943614" y="227698"/>
+                  </a:lnTo>
+                  <a:lnTo>
+                    <a:pt x="883995" y="196176"/>
+                  </a:lnTo>
+                  <a:lnTo>
+                    <a:pt x="823324" y="166728"/>
+                  </a:lnTo>
+                  <a:lnTo>
+                    <a:pt x="761674" y="139391"/>
+                  </a:lnTo>
+                  <a:lnTo>
+                    <a:pt x="699117" y="114195"/>
+                  </a:lnTo>
+                  <a:lnTo>
+                    <a:pt x="635729" y="91172"/>
+                  </a:lnTo>
+                  <a:lnTo>
+                    <a:pt x="571585" y="70348"/>
+                  </a:lnTo>
+                  <a:lnTo>
+                    <a:pt x="506761" y="51749"/>
+                  </a:lnTo>
+                  <a:lnTo>
+                    <a:pt x="441334" y="35397"/>
+                  </a:lnTo>
+                  <a:lnTo>
+                    <a:pt x="375382" y="21310"/>
+                  </a:lnTo>
+                  <a:lnTo>
+                    <a:pt x="308983" y="9506"/>
+                  </a:lnTo>
+                  <a:lnTo>
+                    <a:pt x="242217" y="0"/>
+                  </a:lnTo>
+                  <a:lnTo>
+                    <a:pt x="233864" y="66905"/>
+                  </a:lnTo>
+                  <a:lnTo>
+                    <a:pt x="225512" y="133810"/>
+                  </a:lnTo>
+                  <a:lnTo>
+                    <a:pt x="217160" y="200715"/>
+                  </a:lnTo>
+                  <a:lnTo>
+                    <a:pt x="208807" y="267621"/>
+                  </a:lnTo>
+                  <a:lnTo>
+                    <a:pt x="200455" y="334526"/>
+                  </a:lnTo>
+                  <a:lnTo>
+                    <a:pt x="192103" y="401431"/>
+                  </a:lnTo>
+                  <a:lnTo>
+                    <a:pt x="183750" y="468337"/>
+                  </a:lnTo>
+                  <a:lnTo>
+                    <a:pt x="175398" y="535242"/>
+                  </a:lnTo>
+                  <a:lnTo>
+                    <a:pt x="167046" y="602147"/>
+                  </a:lnTo>
+                  <a:lnTo>
+                    <a:pt x="158694" y="669053"/>
+                  </a:lnTo>
+                  <a:lnTo>
+                    <a:pt x="150341" y="735958"/>
+                  </a:lnTo>
+                  <a:lnTo>
+                    <a:pt x="141989" y="802863"/>
+                  </a:lnTo>
+                  <a:lnTo>
+                    <a:pt x="133637" y="869768"/>
+                  </a:lnTo>
+                  <a:lnTo>
+                    <a:pt x="125284" y="936674"/>
+                  </a:lnTo>
+                  <a:lnTo>
+                    <a:pt x="116932" y="1003579"/>
+                  </a:lnTo>
+                  <a:lnTo>
+                    <a:pt x="108580" y="1070484"/>
+                  </a:lnTo>
+                  <a:lnTo>
+                    <a:pt x="100227" y="1137390"/>
+                  </a:lnTo>
+                  <a:lnTo>
+                    <a:pt x="91875" y="1204295"/>
+                  </a:lnTo>
+                  <a:lnTo>
+                    <a:pt x="83523" y="1271200"/>
+                  </a:lnTo>
+                  <a:lnTo>
+                    <a:pt x="75170" y="1338106"/>
+                  </a:lnTo>
+                  <a:lnTo>
+                    <a:pt x="66818" y="1405011"/>
+                  </a:lnTo>
+                  <a:lnTo>
+                    <a:pt x="58466" y="1471916"/>
+                  </a:lnTo>
+                  <a:lnTo>
+                    <a:pt x="50113" y="1538821"/>
+                  </a:lnTo>
+                  <a:lnTo>
+                    <a:pt x="41761" y="1605727"/>
+                  </a:lnTo>
+                  <a:lnTo>
+                    <a:pt x="33409" y="1672632"/>
+                  </a:lnTo>
+                  <a:lnTo>
+                    <a:pt x="25056" y="1739537"/>
+                  </a:lnTo>
+                  <a:lnTo>
+                    <a:pt x="16704" y="1806443"/>
+                  </a:lnTo>
+                  <a:lnTo>
+                    <a:pt x="8352" y="1873348"/>
                   </a:lnTo>
                   <a:close/>
                 </a:path>
@@ -4725,339 +4779,339 @@
           </p:nvSpPr>
           <p:spPr>
             <a:xfrm>
-              <a:off x="4181441" y="2354098"/>
-              <a:ext cx="2078125" cy="3157756"/>
+              <a:off x="4181441" y="2301403"/>
+              <a:ext cx="1955209" cy="2970982"/>
             </a:xfrm>
             <a:custGeom>
               <a:avLst/>
               <a:pathLst>
-                <a:path w="2078125" h="3157756">
+                <a:path w="1955209" h="2970982">
                   <a:moveTo>
-                    <a:pt x="0" y="1706885"/>
+                    <a:pt x="0" y="1605927"/>
                   </a:moveTo>
                   <a:lnTo>
-                    <a:pt x="51309" y="1756915"/>
-                  </a:lnTo>
-                  <a:lnTo>
-                    <a:pt x="102618" y="1806945"/>
-                  </a:lnTo>
-                  <a:lnTo>
-                    <a:pt x="153927" y="1856975"/>
-                  </a:lnTo>
-                  <a:lnTo>
-                    <a:pt x="205236" y="1907005"/>
-                  </a:lnTo>
-                  <a:lnTo>
-                    <a:pt x="256545" y="1957035"/>
-                  </a:lnTo>
-                  <a:lnTo>
-                    <a:pt x="307855" y="2007065"/>
-                  </a:lnTo>
-                  <a:lnTo>
-                    <a:pt x="359164" y="2057095"/>
-                  </a:lnTo>
-                  <a:lnTo>
-                    <a:pt x="410473" y="2107125"/>
-                  </a:lnTo>
-                  <a:lnTo>
-                    <a:pt x="461782" y="2157155"/>
-                  </a:lnTo>
-                  <a:lnTo>
-                    <a:pt x="513091" y="2207185"/>
-                  </a:lnTo>
-                  <a:lnTo>
-                    <a:pt x="564401" y="2257215"/>
-                  </a:lnTo>
-                  <a:lnTo>
-                    <a:pt x="615710" y="2307245"/>
-                  </a:lnTo>
-                  <a:lnTo>
-                    <a:pt x="667019" y="2357275"/>
-                  </a:lnTo>
-                  <a:lnTo>
-                    <a:pt x="718328" y="2407305"/>
-                  </a:lnTo>
-                  <a:lnTo>
-                    <a:pt x="769637" y="2457335"/>
-                  </a:lnTo>
-                  <a:lnTo>
-                    <a:pt x="820946" y="2507365"/>
-                  </a:lnTo>
-                  <a:lnTo>
-                    <a:pt x="872256" y="2557395"/>
-                  </a:lnTo>
-                  <a:lnTo>
-                    <a:pt x="923565" y="2607425"/>
-                  </a:lnTo>
-                  <a:lnTo>
-                    <a:pt x="974874" y="2657455"/>
-                  </a:lnTo>
-                  <a:lnTo>
-                    <a:pt x="1026183" y="2707485"/>
-                  </a:lnTo>
-                  <a:lnTo>
-                    <a:pt x="1077492" y="2757515"/>
-                  </a:lnTo>
-                  <a:lnTo>
-                    <a:pt x="1128802" y="2807545"/>
-                  </a:lnTo>
-                  <a:lnTo>
-                    <a:pt x="1180111" y="2857575"/>
-                  </a:lnTo>
-                  <a:lnTo>
-                    <a:pt x="1231420" y="2907605"/>
-                  </a:lnTo>
-                  <a:lnTo>
-                    <a:pt x="1282729" y="2957635"/>
-                  </a:lnTo>
-                  <a:lnTo>
-                    <a:pt x="1334038" y="3007666"/>
-                  </a:lnTo>
-                  <a:lnTo>
-                    <a:pt x="1385348" y="3057696"/>
-                  </a:lnTo>
-                  <a:lnTo>
-                    <a:pt x="1436657" y="3107726"/>
-                  </a:lnTo>
-                  <a:lnTo>
-                    <a:pt x="1487966" y="3157756"/>
-                  </a:lnTo>
-                  <a:lnTo>
-                    <a:pt x="1536494" y="3106261"/>
-                  </a:lnTo>
-                  <a:lnTo>
-                    <a:pt x="1583242" y="3053144"/>
-                  </a:lnTo>
-                  <a:lnTo>
-                    <a:pt x="1628153" y="2998467"/>
-                  </a:lnTo>
-                  <a:lnTo>
-                    <a:pt x="1671178" y="2942292"/>
-                  </a:lnTo>
-                  <a:lnTo>
-                    <a:pt x="1712265" y="2884686"/>
-                  </a:lnTo>
-                  <a:lnTo>
-                    <a:pt x="1751368" y="2825714"/>
-                  </a:lnTo>
-                  <a:lnTo>
-                    <a:pt x="1788440" y="2765445"/>
-                  </a:lnTo>
-                  <a:lnTo>
-                    <a:pt x="1823439" y="2703949"/>
-                  </a:lnTo>
-                  <a:lnTo>
-                    <a:pt x="1856325" y="2641297"/>
-                  </a:lnTo>
-                  <a:lnTo>
-                    <a:pt x="1887058" y="2577562"/>
-                  </a:lnTo>
-                  <a:lnTo>
-                    <a:pt x="1915604" y="2512818"/>
-                  </a:lnTo>
-                  <a:lnTo>
-                    <a:pt x="1941930" y="2447140"/>
-                  </a:lnTo>
-                  <a:lnTo>
-                    <a:pt x="1966004" y="2380603"/>
-                  </a:lnTo>
-                  <a:lnTo>
-                    <a:pt x="1987799" y="2313285"/>
-                  </a:lnTo>
-                  <a:lnTo>
-                    <a:pt x="2007290" y="2245265"/>
-                  </a:lnTo>
-                  <a:lnTo>
-                    <a:pt x="2024455" y="2176620"/>
-                  </a:lnTo>
-                  <a:lnTo>
-                    <a:pt x="2039272" y="2107431"/>
-                  </a:lnTo>
-                  <a:lnTo>
-                    <a:pt x="2051725" y="2037778"/>
-                  </a:lnTo>
-                  <a:lnTo>
-                    <a:pt x="2061801" y="1967741"/>
-                  </a:lnTo>
-                  <a:lnTo>
-                    <a:pt x="2069486" y="1897401"/>
-                  </a:lnTo>
-                  <a:lnTo>
-                    <a:pt x="2074772" y="1826841"/>
-                  </a:lnTo>
-                  <a:lnTo>
-                    <a:pt x="2077653" y="1756142"/>
-                  </a:lnTo>
-                  <a:lnTo>
-                    <a:pt x="2078125" y="1685385"/>
-                  </a:lnTo>
-                  <a:lnTo>
-                    <a:pt x="2076189" y="1614654"/>
-                  </a:lnTo>
-                  <a:lnTo>
-                    <a:pt x="2071846" y="1544029"/>
-                  </a:lnTo>
-                  <a:lnTo>
-                    <a:pt x="2065101" y="1473593"/>
-                  </a:lnTo>
-                  <a:lnTo>
-                    <a:pt x="2055962" y="1403428"/>
-                  </a:lnTo>
-                  <a:lnTo>
-                    <a:pt x="2044440" y="1333614"/>
-                  </a:lnTo>
-                  <a:lnTo>
-                    <a:pt x="2030548" y="1264234"/>
-                  </a:lnTo>
-                  <a:lnTo>
-                    <a:pt x="2014303" y="1195366"/>
-                  </a:lnTo>
-                  <a:lnTo>
-                    <a:pt x="1995722" y="1127091"/>
-                  </a:lnTo>
-                  <a:lnTo>
-                    <a:pt x="1974828" y="1059488"/>
-                  </a:lnTo>
-                  <a:lnTo>
-                    <a:pt x="1951644" y="992636"/>
-                  </a:lnTo>
-                  <a:lnTo>
-                    <a:pt x="1926199" y="926612"/>
-                  </a:lnTo>
-                  <a:lnTo>
-                    <a:pt x="1898520" y="861492"/>
-                  </a:lnTo>
-                  <a:lnTo>
-                    <a:pt x="1868641" y="797352"/>
-                  </a:lnTo>
-                  <a:lnTo>
-                    <a:pt x="1836595" y="734267"/>
-                  </a:lnTo>
-                  <a:lnTo>
-                    <a:pt x="1802420" y="672309"/>
-                  </a:lnTo>
-                  <a:lnTo>
-                    <a:pt x="1766156" y="611550"/>
-                  </a:lnTo>
-                  <a:lnTo>
-                    <a:pt x="1727845" y="552061"/>
-                  </a:lnTo>
-                  <a:lnTo>
-                    <a:pt x="1687531" y="493911"/>
-                  </a:lnTo>
-                  <a:lnTo>
-                    <a:pt x="1645261" y="437166"/>
-                  </a:lnTo>
-                  <a:lnTo>
-                    <a:pt x="1601083" y="381894"/>
-                  </a:lnTo>
-                  <a:lnTo>
-                    <a:pt x="1555049" y="328158"/>
-                  </a:lnTo>
-                  <a:lnTo>
-                    <a:pt x="1507213" y="276020"/>
-                  </a:lnTo>
-                  <a:lnTo>
-                    <a:pt x="1457630" y="225540"/>
-                  </a:lnTo>
-                  <a:lnTo>
-                    <a:pt x="1406357" y="176778"/>
-                  </a:lnTo>
-                  <a:lnTo>
-                    <a:pt x="1353453" y="129789"/>
-                  </a:lnTo>
-                  <a:lnTo>
-                    <a:pt x="1298981" y="84629"/>
-                  </a:lnTo>
-                  <a:lnTo>
-                    <a:pt x="1243003" y="41349"/>
-                  </a:lnTo>
-                  <a:lnTo>
-                    <a:pt x="1185584" y="0"/>
-                  </a:lnTo>
-                  <a:lnTo>
-                    <a:pt x="1144702" y="58858"/>
-                  </a:lnTo>
-                  <a:lnTo>
-                    <a:pt x="1103820" y="117716"/>
-                  </a:lnTo>
-                  <a:lnTo>
-                    <a:pt x="1062938" y="176574"/>
-                  </a:lnTo>
-                  <a:lnTo>
-                    <a:pt x="1022055" y="235432"/>
-                  </a:lnTo>
-                  <a:lnTo>
-                    <a:pt x="981173" y="294290"/>
-                  </a:lnTo>
-                  <a:lnTo>
-                    <a:pt x="940291" y="353148"/>
-                  </a:lnTo>
-                  <a:lnTo>
-                    <a:pt x="899409" y="412006"/>
-                  </a:lnTo>
-                  <a:lnTo>
-                    <a:pt x="858526" y="470864"/>
-                  </a:lnTo>
-                  <a:lnTo>
-                    <a:pt x="817644" y="529723"/>
-                  </a:lnTo>
-                  <a:lnTo>
-                    <a:pt x="776762" y="588581"/>
-                  </a:lnTo>
-                  <a:lnTo>
-                    <a:pt x="735880" y="647439"/>
-                  </a:lnTo>
-                  <a:lnTo>
-                    <a:pt x="694997" y="706297"/>
-                  </a:lnTo>
-                  <a:lnTo>
-                    <a:pt x="654115" y="765155"/>
-                  </a:lnTo>
-                  <a:lnTo>
-                    <a:pt x="613233" y="824013"/>
-                  </a:lnTo>
-                  <a:lnTo>
-                    <a:pt x="572351" y="882871"/>
-                  </a:lnTo>
-                  <a:lnTo>
-                    <a:pt x="531469" y="941729"/>
-                  </a:lnTo>
-                  <a:lnTo>
-                    <a:pt x="490586" y="1000588"/>
-                  </a:lnTo>
-                  <a:lnTo>
-                    <a:pt x="449704" y="1059446"/>
-                  </a:lnTo>
-                  <a:lnTo>
-                    <a:pt x="408822" y="1118304"/>
-                  </a:lnTo>
-                  <a:lnTo>
-                    <a:pt x="367940" y="1177162"/>
-                  </a:lnTo>
-                  <a:lnTo>
-                    <a:pt x="327057" y="1236020"/>
-                  </a:lnTo>
-                  <a:lnTo>
-                    <a:pt x="286175" y="1294878"/>
-                  </a:lnTo>
-                  <a:lnTo>
-                    <a:pt x="245293" y="1353736"/>
-                  </a:lnTo>
-                  <a:lnTo>
-                    <a:pt x="204411" y="1412594"/>
-                  </a:lnTo>
-                  <a:lnTo>
-                    <a:pt x="163528" y="1471453"/>
-                  </a:lnTo>
-                  <a:lnTo>
-                    <a:pt x="122646" y="1530311"/>
-                  </a:lnTo>
-                  <a:lnTo>
-                    <a:pt x="81764" y="1589169"/>
-                  </a:lnTo>
-                  <a:lnTo>
-                    <a:pt x="40882" y="1648027"/>
+                    <a:pt x="48274" y="1652998"/>
+                  </a:lnTo>
+                  <a:lnTo>
+                    <a:pt x="96548" y="1700069"/>
+                  </a:lnTo>
+                  <a:lnTo>
+                    <a:pt x="144823" y="1747139"/>
+                  </a:lnTo>
+                  <a:lnTo>
+                    <a:pt x="193097" y="1794210"/>
+                  </a:lnTo>
+                  <a:lnTo>
+                    <a:pt x="241371" y="1841281"/>
+                  </a:lnTo>
+                  <a:lnTo>
+                    <a:pt x="289646" y="1888352"/>
+                  </a:lnTo>
+                  <a:lnTo>
+                    <a:pt x="337920" y="1935423"/>
+                  </a:lnTo>
+                  <a:lnTo>
+                    <a:pt x="386194" y="1982494"/>
+                  </a:lnTo>
+                  <a:lnTo>
+                    <a:pt x="434469" y="2029565"/>
+                  </a:lnTo>
+                  <a:lnTo>
+                    <a:pt x="482743" y="2076635"/>
+                  </a:lnTo>
+                  <a:lnTo>
+                    <a:pt x="531018" y="2123706"/>
+                  </a:lnTo>
+                  <a:lnTo>
+                    <a:pt x="579292" y="2170777"/>
+                  </a:lnTo>
+                  <a:lnTo>
+                    <a:pt x="627566" y="2217848"/>
+                  </a:lnTo>
+                  <a:lnTo>
+                    <a:pt x="675841" y="2264919"/>
+                  </a:lnTo>
+                  <a:lnTo>
+                    <a:pt x="724115" y="2311990"/>
+                  </a:lnTo>
+                  <a:lnTo>
+                    <a:pt x="772389" y="2359061"/>
+                  </a:lnTo>
+                  <a:lnTo>
+                    <a:pt x="820664" y="2406131"/>
+                  </a:lnTo>
+                  <a:lnTo>
+                    <a:pt x="868938" y="2453202"/>
+                  </a:lnTo>
+                  <a:lnTo>
+                    <a:pt x="917213" y="2500273"/>
+                  </a:lnTo>
+                  <a:lnTo>
+                    <a:pt x="965487" y="2547344"/>
+                  </a:lnTo>
+                  <a:lnTo>
+                    <a:pt x="1013761" y="2594415"/>
+                  </a:lnTo>
+                  <a:lnTo>
+                    <a:pt x="1062036" y="2641486"/>
+                  </a:lnTo>
+                  <a:lnTo>
+                    <a:pt x="1110310" y="2688557"/>
+                  </a:lnTo>
+                  <a:lnTo>
+                    <a:pt x="1158584" y="2735628"/>
+                  </a:lnTo>
+                  <a:lnTo>
+                    <a:pt x="1206859" y="2782698"/>
+                  </a:lnTo>
+                  <a:lnTo>
+                    <a:pt x="1255133" y="2829769"/>
+                  </a:lnTo>
+                  <a:lnTo>
+                    <a:pt x="1303407" y="2876840"/>
+                  </a:lnTo>
+                  <a:lnTo>
+                    <a:pt x="1351682" y="2923911"/>
+                  </a:lnTo>
+                  <a:lnTo>
+                    <a:pt x="1399956" y="2970982"/>
+                  </a:lnTo>
+                  <a:lnTo>
+                    <a:pt x="1445614" y="2922533"/>
+                  </a:lnTo>
+                  <a:lnTo>
+                    <a:pt x="1489597" y="2872558"/>
+                  </a:lnTo>
+                  <a:lnTo>
+                    <a:pt x="1531852" y="2821115"/>
+                  </a:lnTo>
+                  <a:lnTo>
+                    <a:pt x="1572332" y="2768263"/>
+                  </a:lnTo>
+                  <a:lnTo>
+                    <a:pt x="1610989" y="2714064"/>
+                  </a:lnTo>
+                  <a:lnTo>
+                    <a:pt x="1647779" y="2658580"/>
+                  </a:lnTo>
+                  <a:lnTo>
+                    <a:pt x="1682658" y="2601875"/>
+                  </a:lnTo>
+                  <a:lnTo>
+                    <a:pt x="1715587" y="2544017"/>
+                  </a:lnTo>
+                  <a:lnTo>
+                    <a:pt x="1746527" y="2485071"/>
+                  </a:lnTo>
+                  <a:lnTo>
+                    <a:pt x="1775443" y="2425106"/>
+                  </a:lnTo>
+                  <a:lnTo>
+                    <a:pt x="1802301" y="2364191"/>
+                  </a:lnTo>
+                  <a:lnTo>
+                    <a:pt x="1827069" y="2302397"/>
+                  </a:lnTo>
+                  <a:lnTo>
+                    <a:pt x="1849719" y="2239796"/>
+                  </a:lnTo>
+                  <a:lnTo>
+                    <a:pt x="1870226" y="2176460"/>
+                  </a:lnTo>
+                  <a:lnTo>
+                    <a:pt x="1888564" y="2112463"/>
+                  </a:lnTo>
+                  <a:lnTo>
+                    <a:pt x="1904713" y="2047878"/>
+                  </a:lnTo>
+                  <a:lnTo>
+                    <a:pt x="1918654" y="1982782"/>
+                  </a:lnTo>
+                  <a:lnTo>
+                    <a:pt x="1930371" y="1917248"/>
+                  </a:lnTo>
+                  <a:lnTo>
+                    <a:pt x="1939850" y="1851353"/>
+                  </a:lnTo>
+                  <a:lnTo>
+                    <a:pt x="1947080" y="1785174"/>
+                  </a:lnTo>
+                  <a:lnTo>
+                    <a:pt x="1952054" y="1718788"/>
+                  </a:lnTo>
+                  <a:lnTo>
+                    <a:pt x="1954765" y="1652270"/>
+                  </a:lnTo>
+                  <a:lnTo>
+                    <a:pt x="1955209" y="1585699"/>
+                  </a:lnTo>
+                  <a:lnTo>
+                    <a:pt x="1953387" y="1519151"/>
+                  </a:lnTo>
+                  <a:lnTo>
+                    <a:pt x="1949301" y="1452703"/>
+                  </a:lnTo>
+                  <a:lnTo>
+                    <a:pt x="1942955" y="1386434"/>
+                  </a:lnTo>
+                  <a:lnTo>
+                    <a:pt x="1934357" y="1320419"/>
+                  </a:lnTo>
+                  <a:lnTo>
+                    <a:pt x="1923517" y="1254734"/>
+                  </a:lnTo>
+                  <a:lnTo>
+                    <a:pt x="1910446" y="1189457"/>
+                  </a:lnTo>
+                  <a:lnTo>
+                    <a:pt x="1895161" y="1124663"/>
+                  </a:lnTo>
+                  <a:lnTo>
+                    <a:pt x="1877680" y="1060426"/>
+                  </a:lnTo>
+                  <a:lnTo>
+                    <a:pt x="1858021" y="996822"/>
+                  </a:lnTo>
+                  <a:lnTo>
+                    <a:pt x="1836209" y="933924"/>
+                  </a:lnTo>
+                  <a:lnTo>
+                    <a:pt x="1812268" y="871805"/>
+                  </a:lnTo>
+                  <a:lnTo>
+                    <a:pt x="1786227" y="810537"/>
+                  </a:lnTo>
+                  <a:lnTo>
+                    <a:pt x="1758115" y="750191"/>
+                  </a:lnTo>
+                  <a:lnTo>
+                    <a:pt x="1727965" y="690837"/>
+                  </a:lnTo>
+                  <a:lnTo>
+                    <a:pt x="1695812" y="632543"/>
+                  </a:lnTo>
+                  <a:lnTo>
+                    <a:pt x="1661693" y="575378"/>
+                  </a:lnTo>
+                  <a:lnTo>
+                    <a:pt x="1625647" y="519408"/>
+                  </a:lnTo>
+                  <a:lnTo>
+                    <a:pt x="1587718" y="464697"/>
+                  </a:lnTo>
+                  <a:lnTo>
+                    <a:pt x="1547947" y="411309"/>
+                  </a:lnTo>
+                  <a:lnTo>
+                    <a:pt x="1506383" y="359306"/>
+                  </a:lnTo>
+                  <a:lnTo>
+                    <a:pt x="1463072" y="308748"/>
+                  </a:lnTo>
+                  <a:lnTo>
+                    <a:pt x="1418065" y="259694"/>
+                  </a:lnTo>
+                  <a:lnTo>
+                    <a:pt x="1371415" y="212200"/>
+                  </a:lnTo>
+                  <a:lnTo>
+                    <a:pt x="1323174" y="166322"/>
+                  </a:lnTo>
+                  <a:lnTo>
+                    <a:pt x="1273400" y="122112"/>
+                  </a:lnTo>
+                  <a:lnTo>
+                    <a:pt x="1222150" y="79623"/>
+                  </a:lnTo>
+                  <a:lnTo>
+                    <a:pt x="1169482" y="38903"/>
+                  </a:lnTo>
+                  <a:lnTo>
+                    <a:pt x="1115460" y="0"/>
+                  </a:lnTo>
+                  <a:lnTo>
+                    <a:pt x="1076996" y="55376"/>
+                  </a:lnTo>
+                  <a:lnTo>
+                    <a:pt x="1038531" y="110753"/>
+                  </a:lnTo>
+                  <a:lnTo>
+                    <a:pt x="1000067" y="166130"/>
+                  </a:lnTo>
+                  <a:lnTo>
+                    <a:pt x="961603" y="221507"/>
+                  </a:lnTo>
+                  <a:lnTo>
+                    <a:pt x="923139" y="276884"/>
+                  </a:lnTo>
+                  <a:lnTo>
+                    <a:pt x="884675" y="332260"/>
+                  </a:lnTo>
+                  <a:lnTo>
+                    <a:pt x="846211" y="387637"/>
+                  </a:lnTo>
+                  <a:lnTo>
+                    <a:pt x="807747" y="443014"/>
+                  </a:lnTo>
+                  <a:lnTo>
+                    <a:pt x="769282" y="498391"/>
+                  </a:lnTo>
+                  <a:lnTo>
+                    <a:pt x="730818" y="553768"/>
+                  </a:lnTo>
+                  <a:lnTo>
+                    <a:pt x="692354" y="609144"/>
+                  </a:lnTo>
+                  <a:lnTo>
+                    <a:pt x="653890" y="664521"/>
+                  </a:lnTo>
+                  <a:lnTo>
+                    <a:pt x="615426" y="719898"/>
+                  </a:lnTo>
+                  <a:lnTo>
+                    <a:pt x="576962" y="775275"/>
+                  </a:lnTo>
+                  <a:lnTo>
+                    <a:pt x="538498" y="830652"/>
+                  </a:lnTo>
+                  <a:lnTo>
+                    <a:pt x="500033" y="886028"/>
+                  </a:lnTo>
+                  <a:lnTo>
+                    <a:pt x="461569" y="941405"/>
+                  </a:lnTo>
+                  <a:lnTo>
+                    <a:pt x="423105" y="996782"/>
+                  </a:lnTo>
+                  <a:lnTo>
+                    <a:pt x="384641" y="1052159"/>
+                  </a:lnTo>
+                  <a:lnTo>
+                    <a:pt x="346177" y="1107536"/>
+                  </a:lnTo>
+                  <a:lnTo>
+                    <a:pt x="307713" y="1162912"/>
+                  </a:lnTo>
+                  <a:lnTo>
+                    <a:pt x="269249" y="1218289"/>
+                  </a:lnTo>
+                  <a:lnTo>
+                    <a:pt x="230784" y="1273666"/>
+                  </a:lnTo>
+                  <a:lnTo>
+                    <a:pt x="192320" y="1329043"/>
+                  </a:lnTo>
+                  <a:lnTo>
+                    <a:pt x="153856" y="1384420"/>
+                  </a:lnTo>
+                  <a:lnTo>
+                    <a:pt x="115392" y="1439796"/>
+                  </a:lnTo>
+                  <a:lnTo>
+                    <a:pt x="76928" y="1495173"/>
+                  </a:lnTo>
+                  <a:lnTo>
+                    <a:pt x="38464" y="1550550"/>
                   </a:lnTo>
                   <a:close/>
                 </a:path>
@@ -5092,285 +5146,285 @@
           </p:nvSpPr>
           <p:spPr>
             <a:xfrm>
-              <a:off x="3517920" y="4060984"/>
-              <a:ext cx="2151487" cy="2077992"/>
+              <a:off x="3557165" y="3907330"/>
+              <a:ext cx="2024232" cy="1955084"/>
             </a:xfrm>
             <a:custGeom>
               <a:avLst/>
               <a:pathLst>
-                <a:path w="2151487" h="2077992">
+                <a:path w="2024232" h="1955084">
                   <a:moveTo>
-                    <a:pt x="663521" y="0"/>
+                    <a:pt x="624275" y="0"/>
                   </a:moveTo>
                   <a:lnTo>
-                    <a:pt x="640641" y="67912"/>
-                  </a:lnTo>
-                  <a:lnTo>
-                    <a:pt x="617761" y="135825"/>
-                  </a:lnTo>
-                  <a:lnTo>
-                    <a:pt x="594881" y="203738"/>
-                  </a:lnTo>
-                  <a:lnTo>
-                    <a:pt x="572001" y="271650"/>
-                  </a:lnTo>
-                  <a:lnTo>
-                    <a:pt x="549121" y="339563"/>
-                  </a:lnTo>
-                  <a:lnTo>
-                    <a:pt x="526241" y="407476"/>
-                  </a:lnTo>
-                  <a:lnTo>
-                    <a:pt x="503361" y="475389"/>
-                  </a:lnTo>
-                  <a:lnTo>
-                    <a:pt x="480481" y="543301"/>
-                  </a:lnTo>
-                  <a:lnTo>
-                    <a:pt x="457600" y="611214"/>
-                  </a:lnTo>
-                  <a:lnTo>
-                    <a:pt x="434720" y="679127"/>
-                  </a:lnTo>
-                  <a:lnTo>
-                    <a:pt x="411840" y="747040"/>
-                  </a:lnTo>
-                  <a:lnTo>
-                    <a:pt x="388960" y="814952"/>
-                  </a:lnTo>
-                  <a:lnTo>
-                    <a:pt x="366080" y="882865"/>
-                  </a:lnTo>
-                  <a:lnTo>
-                    <a:pt x="343200" y="950778"/>
-                  </a:lnTo>
-                  <a:lnTo>
-                    <a:pt x="320320" y="1018690"/>
-                  </a:lnTo>
-                  <a:lnTo>
-                    <a:pt x="297440" y="1086603"/>
-                  </a:lnTo>
-                  <a:lnTo>
-                    <a:pt x="274560" y="1154516"/>
-                  </a:lnTo>
-                  <a:lnTo>
-                    <a:pt x="251680" y="1222429"/>
-                  </a:lnTo>
-                  <a:lnTo>
-                    <a:pt x="228800" y="1290341"/>
-                  </a:lnTo>
-                  <a:lnTo>
-                    <a:pt x="205920" y="1358254"/>
-                  </a:lnTo>
-                  <a:lnTo>
-                    <a:pt x="183040" y="1426167"/>
-                  </a:lnTo>
-                  <a:lnTo>
-                    <a:pt x="160160" y="1494080"/>
-                  </a:lnTo>
-                  <a:lnTo>
-                    <a:pt x="137280" y="1561992"/>
-                  </a:lnTo>
-                  <a:lnTo>
-                    <a:pt x="114400" y="1629905"/>
-                  </a:lnTo>
-                  <a:lnTo>
-                    <a:pt x="91520" y="1697818"/>
-                  </a:lnTo>
-                  <a:lnTo>
-                    <a:pt x="68640" y="1765730"/>
-                  </a:lnTo>
-                  <a:lnTo>
-                    <a:pt x="45760" y="1833643"/>
-                  </a:lnTo>
-                  <a:lnTo>
-                    <a:pt x="22880" y="1901556"/>
-                  </a:lnTo>
-                  <a:lnTo>
-                    <a:pt x="0" y="1969469"/>
-                  </a:lnTo>
-                  <a:lnTo>
-                    <a:pt x="67391" y="1990903"/>
-                  </a:lnTo>
-                  <a:lnTo>
-                    <a:pt x="135473" y="2010033"/>
-                  </a:lnTo>
-                  <a:lnTo>
-                    <a:pt x="204167" y="2026835"/>
-                  </a:lnTo>
-                  <a:lnTo>
-                    <a:pt x="273392" y="2041290"/>
-                  </a:lnTo>
-                  <a:lnTo>
-                    <a:pt x="343069" y="2053382"/>
-                  </a:lnTo>
-                  <a:lnTo>
-                    <a:pt x="413117" y="2063096"/>
-                  </a:lnTo>
-                  <a:lnTo>
-                    <a:pt x="483455" y="2070421"/>
-                  </a:lnTo>
-                  <a:lnTo>
-                    <a:pt x="554001" y="2075349"/>
-                  </a:lnTo>
-                  <a:lnTo>
-                    <a:pt x="624675" y="2077873"/>
-                  </a:lnTo>
-                  <a:lnTo>
-                    <a:pt x="695393" y="2077992"/>
-                  </a:lnTo>
-                  <a:lnTo>
-                    <a:pt x="766074" y="2075705"/>
-                  </a:lnTo>
-                  <a:lnTo>
-                    <a:pt x="836637" y="2071014"/>
-                  </a:lnTo>
-                  <a:lnTo>
-                    <a:pt x="906999" y="2063925"/>
-                  </a:lnTo>
-                  <a:lnTo>
-                    <a:pt x="977079" y="2054446"/>
-                  </a:lnTo>
-                  <a:lnTo>
-                    <a:pt x="1046797" y="2042588"/>
-                  </a:lnTo>
-                  <a:lnTo>
-                    <a:pt x="1116070" y="2028365"/>
-                  </a:lnTo>
-                  <a:lnTo>
-                    <a:pt x="1184819" y="2011794"/>
-                  </a:lnTo>
-                  <a:lnTo>
-                    <a:pt x="1252965" y="1992893"/>
-                  </a:lnTo>
-                  <a:lnTo>
-                    <a:pt x="1320428" y="1971684"/>
-                  </a:lnTo>
-                  <a:lnTo>
-                    <a:pt x="1387131" y="1948193"/>
-                  </a:lnTo>
-                  <a:lnTo>
-                    <a:pt x="1452996" y="1922446"/>
-                  </a:lnTo>
-                  <a:lnTo>
-                    <a:pt x="1517946" y="1894472"/>
-                  </a:lnTo>
-                  <a:lnTo>
-                    <a:pt x="1581908" y="1864305"/>
-                  </a:lnTo>
-                  <a:lnTo>
-                    <a:pt x="1644805" y="1831979"/>
-                  </a:lnTo>
-                  <a:lnTo>
-                    <a:pt x="1706567" y="1797532"/>
-                  </a:lnTo>
-                  <a:lnTo>
-                    <a:pt x="1767121" y="1761004"/>
-                  </a:lnTo>
-                  <a:lnTo>
-                    <a:pt x="1826397" y="1722436"/>
-                  </a:lnTo>
-                  <a:lnTo>
-                    <a:pt x="1884326" y="1681874"/>
-                  </a:lnTo>
-                  <a:lnTo>
-                    <a:pt x="1940842" y="1639365"/>
-                  </a:lnTo>
-                  <a:lnTo>
-                    <a:pt x="1995879" y="1594957"/>
-                  </a:lnTo>
-                  <a:lnTo>
-                    <a:pt x="2049373" y="1548703"/>
-                  </a:lnTo>
-                  <a:lnTo>
-                    <a:pt x="2101263" y="1500655"/>
-                  </a:lnTo>
-                  <a:lnTo>
-                    <a:pt x="2151487" y="1450870"/>
-                  </a:lnTo>
-                  <a:lnTo>
-                    <a:pt x="2100178" y="1400840"/>
-                  </a:lnTo>
-                  <a:lnTo>
-                    <a:pt x="2048869" y="1350810"/>
-                  </a:lnTo>
-                  <a:lnTo>
-                    <a:pt x="1997560" y="1300780"/>
-                  </a:lnTo>
-                  <a:lnTo>
-                    <a:pt x="1946251" y="1250750"/>
-                  </a:lnTo>
-                  <a:lnTo>
-                    <a:pt x="1894941" y="1200720"/>
-                  </a:lnTo>
-                  <a:lnTo>
-                    <a:pt x="1843632" y="1150690"/>
-                  </a:lnTo>
-                  <a:lnTo>
-                    <a:pt x="1792323" y="1100660"/>
-                  </a:lnTo>
-                  <a:lnTo>
-                    <a:pt x="1741014" y="1050630"/>
-                  </a:lnTo>
-                  <a:lnTo>
-                    <a:pt x="1689705" y="1000600"/>
-                  </a:lnTo>
-                  <a:lnTo>
-                    <a:pt x="1638395" y="950570"/>
-                  </a:lnTo>
-                  <a:lnTo>
-                    <a:pt x="1587086" y="900540"/>
-                  </a:lnTo>
-                  <a:lnTo>
-                    <a:pt x="1535777" y="850510"/>
-                  </a:lnTo>
-                  <a:lnTo>
-                    <a:pt x="1484468" y="800480"/>
-                  </a:lnTo>
-                  <a:lnTo>
-                    <a:pt x="1433159" y="750450"/>
-                  </a:lnTo>
-                  <a:lnTo>
-                    <a:pt x="1381850" y="700420"/>
-                  </a:lnTo>
-                  <a:lnTo>
-                    <a:pt x="1330540" y="650390"/>
-                  </a:lnTo>
-                  <a:lnTo>
-                    <a:pt x="1279231" y="600360"/>
-                  </a:lnTo>
-                  <a:lnTo>
-                    <a:pt x="1227922" y="550330"/>
-                  </a:lnTo>
-                  <a:lnTo>
-                    <a:pt x="1176613" y="500300"/>
-                  </a:lnTo>
-                  <a:lnTo>
-                    <a:pt x="1125304" y="450270"/>
-                  </a:lnTo>
-                  <a:lnTo>
-                    <a:pt x="1073994" y="400240"/>
-                  </a:lnTo>
-                  <a:lnTo>
-                    <a:pt x="1022685" y="350210"/>
-                  </a:lnTo>
-                  <a:lnTo>
-                    <a:pt x="971376" y="300180"/>
-                  </a:lnTo>
-                  <a:lnTo>
-                    <a:pt x="920067" y="250150"/>
-                  </a:lnTo>
-                  <a:lnTo>
-                    <a:pt x="868758" y="200120"/>
-                  </a:lnTo>
-                  <a:lnTo>
-                    <a:pt x="817448" y="150090"/>
-                  </a:lnTo>
-                  <a:lnTo>
-                    <a:pt x="766139" y="100060"/>
-                  </a:lnTo>
-                  <a:lnTo>
-                    <a:pt x="714830" y="50030"/>
+                    <a:pt x="602748" y="63895"/>
+                  </a:lnTo>
+                  <a:lnTo>
+                    <a:pt x="581222" y="127791"/>
+                  </a:lnTo>
+                  <a:lnTo>
+                    <a:pt x="559695" y="191687"/>
+                  </a:lnTo>
+                  <a:lnTo>
+                    <a:pt x="538168" y="255583"/>
+                  </a:lnTo>
+                  <a:lnTo>
+                    <a:pt x="516641" y="319479"/>
+                  </a:lnTo>
+                  <a:lnTo>
+                    <a:pt x="495115" y="383375"/>
+                  </a:lnTo>
+                  <a:lnTo>
+                    <a:pt x="473588" y="447270"/>
+                  </a:lnTo>
+                  <a:lnTo>
+                    <a:pt x="452061" y="511166"/>
+                  </a:lnTo>
+                  <a:lnTo>
+                    <a:pt x="430534" y="575062"/>
+                  </a:lnTo>
+                  <a:lnTo>
+                    <a:pt x="409008" y="638958"/>
+                  </a:lnTo>
+                  <a:lnTo>
+                    <a:pt x="387481" y="702854"/>
+                  </a:lnTo>
+                  <a:lnTo>
+                    <a:pt x="365954" y="766750"/>
+                  </a:lnTo>
+                  <a:lnTo>
+                    <a:pt x="344427" y="830646"/>
+                  </a:lnTo>
+                  <a:lnTo>
+                    <a:pt x="322901" y="894541"/>
+                  </a:lnTo>
+                  <a:lnTo>
+                    <a:pt x="301374" y="958437"/>
+                  </a:lnTo>
+                  <a:lnTo>
+                    <a:pt x="279847" y="1022333"/>
+                  </a:lnTo>
+                  <a:lnTo>
+                    <a:pt x="258320" y="1086229"/>
+                  </a:lnTo>
+                  <a:lnTo>
+                    <a:pt x="236794" y="1150125"/>
+                  </a:lnTo>
+                  <a:lnTo>
+                    <a:pt x="215267" y="1214021"/>
+                  </a:lnTo>
+                  <a:lnTo>
+                    <a:pt x="193740" y="1277917"/>
+                  </a:lnTo>
+                  <a:lnTo>
+                    <a:pt x="172213" y="1341812"/>
+                  </a:lnTo>
+                  <a:lnTo>
+                    <a:pt x="150687" y="1405708"/>
+                  </a:lnTo>
+                  <a:lnTo>
+                    <a:pt x="129160" y="1469604"/>
+                  </a:lnTo>
+                  <a:lnTo>
+                    <a:pt x="107633" y="1533500"/>
+                  </a:lnTo>
+                  <a:lnTo>
+                    <a:pt x="86106" y="1597396"/>
+                  </a:lnTo>
+                  <a:lnTo>
+                    <a:pt x="64580" y="1661292"/>
+                  </a:lnTo>
+                  <a:lnTo>
+                    <a:pt x="43053" y="1725188"/>
+                  </a:lnTo>
+                  <a:lnTo>
+                    <a:pt x="21526" y="1789083"/>
+                  </a:lnTo>
+                  <a:lnTo>
+                    <a:pt x="0" y="1852979"/>
+                  </a:lnTo>
+                  <a:lnTo>
+                    <a:pt x="63405" y="1873146"/>
+                  </a:lnTo>
+                  <a:lnTo>
+                    <a:pt x="127460" y="1891144"/>
+                  </a:lnTo>
+                  <a:lnTo>
+                    <a:pt x="192091" y="1906953"/>
+                  </a:lnTo>
+                  <a:lnTo>
+                    <a:pt x="257221" y="1920553"/>
+                  </a:lnTo>
+                  <a:lnTo>
+                    <a:pt x="322777" y="1931929"/>
+                  </a:lnTo>
+                  <a:lnTo>
+                    <a:pt x="388682" y="1941069"/>
+                  </a:lnTo>
+                  <a:lnTo>
+                    <a:pt x="454860" y="1947961"/>
+                  </a:lnTo>
+                  <a:lnTo>
+                    <a:pt x="521233" y="1952597"/>
+                  </a:lnTo>
+                  <a:lnTo>
+                    <a:pt x="587727" y="1954972"/>
+                  </a:lnTo>
+                  <a:lnTo>
+                    <a:pt x="654262" y="1955084"/>
+                  </a:lnTo>
+                  <a:lnTo>
+                    <a:pt x="720763" y="1952932"/>
+                  </a:lnTo>
+                  <a:lnTo>
+                    <a:pt x="787152" y="1948518"/>
+                  </a:lnTo>
+                  <a:lnTo>
+                    <a:pt x="853352" y="1941849"/>
+                  </a:lnTo>
+                  <a:lnTo>
+                    <a:pt x="919288" y="1932930"/>
+                  </a:lnTo>
+                  <a:lnTo>
+                    <a:pt x="984881" y="1921774"/>
+                  </a:lnTo>
+                  <a:lnTo>
+                    <a:pt x="1050057" y="1908392"/>
+                  </a:lnTo>
+                  <a:lnTo>
+                    <a:pt x="1114740" y="1892801"/>
+                  </a:lnTo>
+                  <a:lnTo>
+                    <a:pt x="1178855" y="1875018"/>
+                  </a:lnTo>
+                  <a:lnTo>
+                    <a:pt x="1242328" y="1855064"/>
+                  </a:lnTo>
+                  <a:lnTo>
+                    <a:pt x="1305086" y="1832962"/>
+                  </a:lnTo>
+                  <a:lnTo>
+                    <a:pt x="1367055" y="1808737"/>
+                  </a:lnTo>
+                  <a:lnTo>
+                    <a:pt x="1428163" y="1782419"/>
+                  </a:lnTo>
+                  <a:lnTo>
+                    <a:pt x="1488342" y="1754036"/>
+                  </a:lnTo>
+                  <a:lnTo>
+                    <a:pt x="1547519" y="1723622"/>
+                  </a:lnTo>
+                  <a:lnTo>
+                    <a:pt x="1605628" y="1691212"/>
+                  </a:lnTo>
+                  <a:lnTo>
+                    <a:pt x="1662600" y="1656845"/>
+                  </a:lnTo>
+                  <a:lnTo>
+                    <a:pt x="1718370" y="1620558"/>
+                  </a:lnTo>
+                  <a:lnTo>
+                    <a:pt x="1772873" y="1582396"/>
+                  </a:lnTo>
+                  <a:lnTo>
+                    <a:pt x="1826046" y="1542401"/>
+                  </a:lnTo>
+                  <a:lnTo>
+                    <a:pt x="1877828" y="1500620"/>
+                  </a:lnTo>
+                  <a:lnTo>
+                    <a:pt x="1928158" y="1457101"/>
+                  </a:lnTo>
+                  <a:lnTo>
+                    <a:pt x="1976978" y="1411895"/>
+                  </a:lnTo>
+                  <a:lnTo>
+                    <a:pt x="2024232" y="1365055"/>
+                  </a:lnTo>
+                  <a:lnTo>
+                    <a:pt x="1975958" y="1317984"/>
+                  </a:lnTo>
+                  <a:lnTo>
+                    <a:pt x="1927683" y="1270913"/>
+                  </a:lnTo>
+                  <a:lnTo>
+                    <a:pt x="1879409" y="1223842"/>
+                  </a:lnTo>
+                  <a:lnTo>
+                    <a:pt x="1831134" y="1176771"/>
+                  </a:lnTo>
+                  <a:lnTo>
+                    <a:pt x="1782860" y="1129700"/>
+                  </a:lnTo>
+                  <a:lnTo>
+                    <a:pt x="1734586" y="1082629"/>
+                  </a:lnTo>
+                  <a:lnTo>
+                    <a:pt x="1686311" y="1035558"/>
+                  </a:lnTo>
+                  <a:lnTo>
+                    <a:pt x="1638037" y="988488"/>
+                  </a:lnTo>
+                  <a:lnTo>
+                    <a:pt x="1589763" y="941417"/>
+                  </a:lnTo>
+                  <a:lnTo>
+                    <a:pt x="1541488" y="894346"/>
+                  </a:lnTo>
+                  <a:lnTo>
+                    <a:pt x="1493214" y="847275"/>
+                  </a:lnTo>
+                  <a:lnTo>
+                    <a:pt x="1444939" y="800204"/>
+                  </a:lnTo>
+                  <a:lnTo>
+                    <a:pt x="1396665" y="753133"/>
+                  </a:lnTo>
+                  <a:lnTo>
+                    <a:pt x="1348391" y="706062"/>
+                  </a:lnTo>
+                  <a:lnTo>
+                    <a:pt x="1300116" y="658992"/>
+                  </a:lnTo>
+                  <a:lnTo>
+                    <a:pt x="1251842" y="611921"/>
+                  </a:lnTo>
+                  <a:lnTo>
+                    <a:pt x="1203568" y="564850"/>
+                  </a:lnTo>
+                  <a:lnTo>
+                    <a:pt x="1155293" y="517779"/>
+                  </a:lnTo>
+                  <a:lnTo>
+                    <a:pt x="1107019" y="470708"/>
+                  </a:lnTo>
+                  <a:lnTo>
+                    <a:pt x="1058745" y="423637"/>
+                  </a:lnTo>
+                  <a:lnTo>
+                    <a:pt x="1010470" y="376566"/>
+                  </a:lnTo>
+                  <a:lnTo>
+                    <a:pt x="962196" y="329496"/>
+                  </a:lnTo>
+                  <a:lnTo>
+                    <a:pt x="913921" y="282425"/>
+                  </a:lnTo>
+                  <a:lnTo>
+                    <a:pt x="865647" y="235354"/>
+                  </a:lnTo>
+                  <a:lnTo>
+                    <a:pt x="817373" y="188283"/>
+                  </a:lnTo>
+                  <a:lnTo>
+                    <a:pt x="769098" y="141212"/>
+                  </a:lnTo>
+                  <a:lnTo>
+                    <a:pt x="720824" y="94141"/>
+                  </a:lnTo>
+                  <a:lnTo>
+                    <a:pt x="672550" y="47070"/>
                   </a:lnTo>
                   <a:close/>
                 </a:path>
@@ -5405,213 +5459,213 @@
           </p:nvSpPr>
           <p:spPr>
             <a:xfrm>
-              <a:off x="2916829" y="4060984"/>
-              <a:ext cx="1264611" cy="1969469"/>
+              <a:off x="2991628" y="3907330"/>
+              <a:ext cx="1189813" cy="1852979"/>
             </a:xfrm>
             <a:custGeom>
               <a:avLst/>
               <a:pathLst>
-                <a:path w="1264611" h="1969469">
+                <a:path w="1189813" h="1852979">
                   <a:moveTo>
-                    <a:pt x="1264611" y="0"/>
+                    <a:pt x="1189813" y="0"/>
                   </a:moveTo>
                   <a:lnTo>
-                    <a:pt x="1221004" y="56868"/>
-                  </a:lnTo>
-                  <a:lnTo>
-                    <a:pt x="1177397" y="113737"/>
-                  </a:lnTo>
-                  <a:lnTo>
-                    <a:pt x="1133789" y="170605"/>
-                  </a:lnTo>
-                  <a:lnTo>
-                    <a:pt x="1090182" y="227474"/>
-                  </a:lnTo>
-                  <a:lnTo>
-                    <a:pt x="1046575" y="284343"/>
-                  </a:lnTo>
-                  <a:lnTo>
-                    <a:pt x="1002967" y="341211"/>
-                  </a:lnTo>
-                  <a:lnTo>
-                    <a:pt x="959360" y="398080"/>
-                  </a:lnTo>
-                  <a:lnTo>
-                    <a:pt x="915753" y="454948"/>
-                  </a:lnTo>
-                  <a:lnTo>
-                    <a:pt x="872146" y="511817"/>
-                  </a:lnTo>
-                  <a:lnTo>
-                    <a:pt x="828538" y="568686"/>
-                  </a:lnTo>
-                  <a:lnTo>
-                    <a:pt x="784931" y="625554"/>
-                  </a:lnTo>
-                  <a:lnTo>
-                    <a:pt x="741324" y="682423"/>
-                  </a:lnTo>
-                  <a:lnTo>
-                    <a:pt x="697716" y="739291"/>
-                  </a:lnTo>
-                  <a:lnTo>
-                    <a:pt x="654109" y="796160"/>
-                  </a:lnTo>
-                  <a:lnTo>
-                    <a:pt x="610502" y="853029"/>
-                  </a:lnTo>
-                  <a:lnTo>
-                    <a:pt x="566894" y="909897"/>
-                  </a:lnTo>
-                  <a:lnTo>
-                    <a:pt x="523287" y="966766"/>
-                  </a:lnTo>
-                  <a:lnTo>
-                    <a:pt x="479680" y="1023634"/>
-                  </a:lnTo>
-                  <a:lnTo>
-                    <a:pt x="436073" y="1080503"/>
-                  </a:lnTo>
-                  <a:lnTo>
-                    <a:pt x="392465" y="1137372"/>
-                  </a:lnTo>
-                  <a:lnTo>
-                    <a:pt x="348858" y="1194240"/>
-                  </a:lnTo>
-                  <a:lnTo>
-                    <a:pt x="305251" y="1251109"/>
-                  </a:lnTo>
-                  <a:lnTo>
-                    <a:pt x="261643" y="1307977"/>
-                  </a:lnTo>
-                  <a:lnTo>
-                    <a:pt x="218036" y="1364846"/>
-                  </a:lnTo>
-                  <a:lnTo>
-                    <a:pt x="174429" y="1421715"/>
-                  </a:lnTo>
-                  <a:lnTo>
-                    <a:pt x="130821" y="1478583"/>
-                  </a:lnTo>
-                  <a:lnTo>
-                    <a:pt x="87214" y="1535452"/>
-                  </a:lnTo>
-                  <a:lnTo>
-                    <a:pt x="43607" y="1592320"/>
-                  </a:lnTo>
-                  <a:lnTo>
-                    <a:pt x="0" y="1649189"/>
-                  </a:lnTo>
-                  <a:lnTo>
-                    <a:pt x="61158" y="1694334"/>
-                  </a:lnTo>
-                  <a:lnTo>
-                    <a:pt x="123926" y="1737212"/>
-                  </a:lnTo>
-                  <a:lnTo>
-                    <a:pt x="188221" y="1777766"/>
-                  </a:lnTo>
-                  <a:lnTo>
-                    <a:pt x="253955" y="1815941"/>
-                  </a:lnTo>
-                  <a:lnTo>
-                    <a:pt x="321042" y="1851687"/>
-                  </a:lnTo>
-                  <a:lnTo>
-                    <a:pt x="389391" y="1884955"/>
-                  </a:lnTo>
-                  <a:lnTo>
-                    <a:pt x="458911" y="1915702"/>
-                  </a:lnTo>
-                  <a:lnTo>
-                    <a:pt x="529509" y="1943886"/>
-                  </a:lnTo>
-                  <a:lnTo>
-                    <a:pt x="601090" y="1969469"/>
-                  </a:lnTo>
-                  <a:lnTo>
-                    <a:pt x="623970" y="1901556"/>
-                  </a:lnTo>
-                  <a:lnTo>
-                    <a:pt x="646850" y="1833643"/>
-                  </a:lnTo>
-                  <a:lnTo>
-                    <a:pt x="669730" y="1765730"/>
-                  </a:lnTo>
-                  <a:lnTo>
-                    <a:pt x="692610" y="1697818"/>
-                  </a:lnTo>
-                  <a:lnTo>
-                    <a:pt x="715490" y="1629905"/>
-                  </a:lnTo>
-                  <a:lnTo>
-                    <a:pt x="738370" y="1561992"/>
-                  </a:lnTo>
-                  <a:lnTo>
-                    <a:pt x="761250" y="1494080"/>
-                  </a:lnTo>
-                  <a:lnTo>
-                    <a:pt x="784130" y="1426167"/>
-                  </a:lnTo>
-                  <a:lnTo>
-                    <a:pt x="807010" y="1358254"/>
-                  </a:lnTo>
-                  <a:lnTo>
-                    <a:pt x="829890" y="1290341"/>
-                  </a:lnTo>
-                  <a:lnTo>
-                    <a:pt x="852770" y="1222429"/>
-                  </a:lnTo>
-                  <a:lnTo>
-                    <a:pt x="875650" y="1154516"/>
-                  </a:lnTo>
-                  <a:lnTo>
-                    <a:pt x="898531" y="1086603"/>
-                  </a:lnTo>
-                  <a:lnTo>
-                    <a:pt x="921411" y="1018690"/>
-                  </a:lnTo>
-                  <a:lnTo>
-                    <a:pt x="944291" y="950778"/>
-                  </a:lnTo>
-                  <a:lnTo>
-                    <a:pt x="967171" y="882865"/>
-                  </a:lnTo>
-                  <a:lnTo>
-                    <a:pt x="990051" y="814952"/>
-                  </a:lnTo>
-                  <a:lnTo>
-                    <a:pt x="1012931" y="747040"/>
-                  </a:lnTo>
-                  <a:lnTo>
-                    <a:pt x="1035811" y="679127"/>
-                  </a:lnTo>
-                  <a:lnTo>
-                    <a:pt x="1058691" y="611214"/>
-                  </a:lnTo>
-                  <a:lnTo>
-                    <a:pt x="1081571" y="543301"/>
-                  </a:lnTo>
-                  <a:lnTo>
-                    <a:pt x="1104451" y="475389"/>
-                  </a:lnTo>
-                  <a:lnTo>
-                    <a:pt x="1127331" y="407476"/>
-                  </a:lnTo>
-                  <a:lnTo>
-                    <a:pt x="1150211" y="339563"/>
-                  </a:lnTo>
-                  <a:lnTo>
-                    <a:pt x="1173091" y="271650"/>
-                  </a:lnTo>
-                  <a:lnTo>
-                    <a:pt x="1195971" y="203738"/>
-                  </a:lnTo>
-                  <a:lnTo>
-                    <a:pt x="1218851" y="135825"/>
-                  </a:lnTo>
-                  <a:lnTo>
-                    <a:pt x="1241731" y="67912"/>
+                    <a:pt x="1148785" y="53504"/>
+                  </a:lnTo>
+                  <a:lnTo>
+                    <a:pt x="1107756" y="107009"/>
+                  </a:lnTo>
+                  <a:lnTo>
+                    <a:pt x="1066728" y="160514"/>
+                  </a:lnTo>
+                  <a:lnTo>
+                    <a:pt x="1025700" y="214019"/>
+                  </a:lnTo>
+                  <a:lnTo>
+                    <a:pt x="984672" y="267524"/>
+                  </a:lnTo>
+                  <a:lnTo>
+                    <a:pt x="943644" y="321029"/>
+                  </a:lnTo>
+                  <a:lnTo>
+                    <a:pt x="902616" y="374534"/>
+                  </a:lnTo>
+                  <a:lnTo>
+                    <a:pt x="861588" y="428039"/>
+                  </a:lnTo>
+                  <a:lnTo>
+                    <a:pt x="820560" y="481544"/>
+                  </a:lnTo>
+                  <a:lnTo>
+                    <a:pt x="779532" y="535049"/>
+                  </a:lnTo>
+                  <a:lnTo>
+                    <a:pt x="738504" y="588554"/>
+                  </a:lnTo>
+                  <a:lnTo>
+                    <a:pt x="697476" y="642059"/>
+                  </a:lnTo>
+                  <a:lnTo>
+                    <a:pt x="656448" y="695564"/>
+                  </a:lnTo>
+                  <a:lnTo>
+                    <a:pt x="615420" y="749069"/>
+                  </a:lnTo>
+                  <a:lnTo>
+                    <a:pt x="574392" y="802574"/>
+                  </a:lnTo>
+                  <a:lnTo>
+                    <a:pt x="533364" y="856079"/>
+                  </a:lnTo>
+                  <a:lnTo>
+                    <a:pt x="492336" y="909584"/>
+                  </a:lnTo>
+                  <a:lnTo>
+                    <a:pt x="451308" y="963089"/>
+                  </a:lnTo>
+                  <a:lnTo>
+                    <a:pt x="410280" y="1016594"/>
+                  </a:lnTo>
+                  <a:lnTo>
+                    <a:pt x="369252" y="1070099"/>
+                  </a:lnTo>
+                  <a:lnTo>
+                    <a:pt x="328224" y="1123604"/>
+                  </a:lnTo>
+                  <a:lnTo>
+                    <a:pt x="287196" y="1177109"/>
+                  </a:lnTo>
+                  <a:lnTo>
+                    <a:pt x="246168" y="1230614"/>
+                  </a:lnTo>
+                  <a:lnTo>
+                    <a:pt x="205140" y="1284119"/>
+                  </a:lnTo>
+                  <a:lnTo>
+                    <a:pt x="164112" y="1337624"/>
+                  </a:lnTo>
+                  <a:lnTo>
+                    <a:pt x="123084" y="1391129"/>
+                  </a:lnTo>
+                  <a:lnTo>
+                    <a:pt x="82056" y="1444634"/>
+                  </a:lnTo>
+                  <a:lnTo>
+                    <a:pt x="41028" y="1498138"/>
+                  </a:lnTo>
+                  <a:lnTo>
+                    <a:pt x="0" y="1551643"/>
+                  </a:lnTo>
+                  <a:lnTo>
+                    <a:pt x="57540" y="1594118"/>
+                  </a:lnTo>
+                  <a:lnTo>
+                    <a:pt x="116596" y="1634460"/>
+                  </a:lnTo>
+                  <a:lnTo>
+                    <a:pt x="177088" y="1672615"/>
+                  </a:lnTo>
+                  <a:lnTo>
+                    <a:pt x="238934" y="1708532"/>
+                  </a:lnTo>
+                  <a:lnTo>
+                    <a:pt x="302053" y="1742164"/>
+                  </a:lnTo>
+                  <a:lnTo>
+                    <a:pt x="366359" y="1773465"/>
+                  </a:lnTo>
+                  <a:lnTo>
+                    <a:pt x="431767" y="1802393"/>
+                  </a:lnTo>
+                  <a:lnTo>
+                    <a:pt x="498189" y="1828909"/>
+                  </a:lnTo>
+                  <a:lnTo>
+                    <a:pt x="565537" y="1852979"/>
+                  </a:lnTo>
+                  <a:lnTo>
+                    <a:pt x="587064" y="1789083"/>
+                  </a:lnTo>
+                  <a:lnTo>
+                    <a:pt x="608590" y="1725188"/>
+                  </a:lnTo>
+                  <a:lnTo>
+                    <a:pt x="630117" y="1661292"/>
+                  </a:lnTo>
+                  <a:lnTo>
+                    <a:pt x="651644" y="1597396"/>
+                  </a:lnTo>
+                  <a:lnTo>
+                    <a:pt x="673171" y="1533500"/>
+                  </a:lnTo>
+                  <a:lnTo>
+                    <a:pt x="694697" y="1469604"/>
+                  </a:lnTo>
+                  <a:lnTo>
+                    <a:pt x="716224" y="1405708"/>
+                  </a:lnTo>
+                  <a:lnTo>
+                    <a:pt x="737751" y="1341812"/>
+                  </a:lnTo>
+                  <a:lnTo>
+                    <a:pt x="759278" y="1277917"/>
+                  </a:lnTo>
+                  <a:lnTo>
+                    <a:pt x="780804" y="1214021"/>
+                  </a:lnTo>
+                  <a:lnTo>
+                    <a:pt x="802331" y="1150125"/>
+                  </a:lnTo>
+                  <a:lnTo>
+                    <a:pt x="823858" y="1086229"/>
+                  </a:lnTo>
+                  <a:lnTo>
+                    <a:pt x="845385" y="1022333"/>
+                  </a:lnTo>
+                  <a:lnTo>
+                    <a:pt x="866911" y="958437"/>
+                  </a:lnTo>
+                  <a:lnTo>
+                    <a:pt x="888438" y="894541"/>
+                  </a:lnTo>
+                  <a:lnTo>
+                    <a:pt x="909965" y="830646"/>
+                  </a:lnTo>
+                  <a:lnTo>
+                    <a:pt x="931492" y="766750"/>
+                  </a:lnTo>
+                  <a:lnTo>
+                    <a:pt x="953018" y="702854"/>
+                  </a:lnTo>
+                  <a:lnTo>
+                    <a:pt x="974545" y="638958"/>
+                  </a:lnTo>
+                  <a:lnTo>
+                    <a:pt x="996072" y="575062"/>
+                  </a:lnTo>
+                  <a:lnTo>
+                    <a:pt x="1017599" y="511166"/>
+                  </a:lnTo>
+                  <a:lnTo>
+                    <a:pt x="1039125" y="447270"/>
+                  </a:lnTo>
+                  <a:lnTo>
+                    <a:pt x="1060652" y="383375"/>
+                  </a:lnTo>
+                  <a:lnTo>
+                    <a:pt x="1082179" y="319479"/>
+                  </a:lnTo>
+                  <a:lnTo>
+                    <a:pt x="1103706" y="255583"/>
+                  </a:lnTo>
+                  <a:lnTo>
+                    <a:pt x="1125232" y="191687"/>
+                  </a:lnTo>
+                  <a:lnTo>
+                    <a:pt x="1146759" y="127791"/>
+                  </a:lnTo>
+                  <a:lnTo>
+                    <a:pt x="1168286" y="63895"/>
                   </a:lnTo>
                   <a:close/>
                 </a:path>
@@ -5646,207 +5700,207 @@
           </p:nvSpPr>
           <p:spPr>
             <a:xfrm>
-              <a:off x="2524943" y="4060984"/>
-              <a:ext cx="1656498" cy="1649189"/>
+              <a:off x="2622921" y="3907330"/>
+              <a:ext cx="1558520" cy="1551643"/>
             </a:xfrm>
             <a:custGeom>
               <a:avLst/>
               <a:pathLst>
-                <a:path w="1656498" h="1649189">
+                <a:path w="1558520" h="1551643">
                   <a:moveTo>
-                    <a:pt x="1656498" y="0"/>
+                    <a:pt x="1558520" y="0"/>
                   </a:moveTo>
                   <a:lnTo>
-                    <a:pt x="1599377" y="43276"/>
-                  </a:lnTo>
-                  <a:lnTo>
-                    <a:pt x="1542257" y="86553"/>
-                  </a:lnTo>
-                  <a:lnTo>
-                    <a:pt x="1485136" y="129829"/>
-                  </a:lnTo>
-                  <a:lnTo>
-                    <a:pt x="1428015" y="173106"/>
-                  </a:lnTo>
-                  <a:lnTo>
-                    <a:pt x="1370895" y="216383"/>
-                  </a:lnTo>
-                  <a:lnTo>
-                    <a:pt x="1313774" y="259659"/>
-                  </a:lnTo>
-                  <a:lnTo>
-                    <a:pt x="1256653" y="302936"/>
-                  </a:lnTo>
-                  <a:lnTo>
-                    <a:pt x="1199533" y="346213"/>
-                  </a:lnTo>
-                  <a:lnTo>
-                    <a:pt x="1142412" y="389489"/>
-                  </a:lnTo>
-                  <a:lnTo>
-                    <a:pt x="1085292" y="432766"/>
-                  </a:lnTo>
-                  <a:lnTo>
-                    <a:pt x="1028171" y="476043"/>
-                  </a:lnTo>
-                  <a:lnTo>
-                    <a:pt x="971050" y="519319"/>
-                  </a:lnTo>
-                  <a:lnTo>
-                    <a:pt x="913930" y="562596"/>
-                  </a:lnTo>
-                  <a:lnTo>
-                    <a:pt x="856809" y="605873"/>
-                  </a:lnTo>
-                  <a:lnTo>
-                    <a:pt x="799688" y="649149"/>
-                  </a:lnTo>
-                  <a:lnTo>
-                    <a:pt x="742568" y="692426"/>
-                  </a:lnTo>
-                  <a:lnTo>
-                    <a:pt x="685447" y="735703"/>
-                  </a:lnTo>
-                  <a:lnTo>
-                    <a:pt x="628326" y="778979"/>
-                  </a:lnTo>
-                  <a:lnTo>
-                    <a:pt x="571206" y="822256"/>
-                  </a:lnTo>
-                  <a:lnTo>
-                    <a:pt x="514085" y="865533"/>
-                  </a:lnTo>
-                  <a:lnTo>
-                    <a:pt x="456965" y="908809"/>
-                  </a:lnTo>
-                  <a:lnTo>
-                    <a:pt x="399844" y="952086"/>
-                  </a:lnTo>
-                  <a:lnTo>
-                    <a:pt x="342723" y="995363"/>
-                  </a:lnTo>
-                  <a:lnTo>
-                    <a:pt x="285603" y="1038639"/>
-                  </a:lnTo>
-                  <a:lnTo>
-                    <a:pt x="228482" y="1081916"/>
-                  </a:lnTo>
-                  <a:lnTo>
-                    <a:pt x="171361" y="1125192"/>
-                  </a:lnTo>
-                  <a:lnTo>
-                    <a:pt x="114241" y="1168469"/>
-                  </a:lnTo>
-                  <a:lnTo>
-                    <a:pt x="57120" y="1211746"/>
-                  </a:lnTo>
-                  <a:lnTo>
-                    <a:pt x="0" y="1255022"/>
-                  </a:lnTo>
-                  <a:lnTo>
-                    <a:pt x="49299" y="1317566"/>
-                  </a:lnTo>
-                  <a:lnTo>
-                    <a:pt x="100958" y="1378175"/>
-                  </a:lnTo>
-                  <a:lnTo>
-                    <a:pt x="154902" y="1436760"/>
-                  </a:lnTo>
-                  <a:lnTo>
-                    <a:pt x="211051" y="1493235"/>
-                  </a:lnTo>
-                  <a:lnTo>
-                    <a:pt x="269322" y="1547517"/>
-                  </a:lnTo>
-                  <a:lnTo>
-                    <a:pt x="329630" y="1599528"/>
-                  </a:lnTo>
-                  <a:lnTo>
-                    <a:pt x="391886" y="1649189"/>
-                  </a:lnTo>
-                  <a:lnTo>
-                    <a:pt x="435493" y="1592320"/>
-                  </a:lnTo>
-                  <a:lnTo>
-                    <a:pt x="479101" y="1535452"/>
-                  </a:lnTo>
-                  <a:lnTo>
-                    <a:pt x="522708" y="1478583"/>
-                  </a:lnTo>
-                  <a:lnTo>
-                    <a:pt x="566315" y="1421715"/>
-                  </a:lnTo>
-                  <a:lnTo>
-                    <a:pt x="609923" y="1364846"/>
-                  </a:lnTo>
-                  <a:lnTo>
-                    <a:pt x="653530" y="1307977"/>
-                  </a:lnTo>
-                  <a:lnTo>
-                    <a:pt x="697137" y="1251109"/>
-                  </a:lnTo>
-                  <a:lnTo>
-                    <a:pt x="740744" y="1194240"/>
-                  </a:lnTo>
-                  <a:lnTo>
-                    <a:pt x="784352" y="1137372"/>
-                  </a:lnTo>
-                  <a:lnTo>
-                    <a:pt x="827959" y="1080503"/>
-                  </a:lnTo>
-                  <a:lnTo>
-                    <a:pt x="871566" y="1023634"/>
-                  </a:lnTo>
-                  <a:lnTo>
-                    <a:pt x="915174" y="966766"/>
-                  </a:lnTo>
-                  <a:lnTo>
-                    <a:pt x="958781" y="909897"/>
-                  </a:lnTo>
-                  <a:lnTo>
-                    <a:pt x="1002388" y="853029"/>
-                  </a:lnTo>
-                  <a:lnTo>
-                    <a:pt x="1045996" y="796160"/>
-                  </a:lnTo>
-                  <a:lnTo>
-                    <a:pt x="1089603" y="739291"/>
-                  </a:lnTo>
-                  <a:lnTo>
-                    <a:pt x="1133210" y="682423"/>
-                  </a:lnTo>
-                  <a:lnTo>
-                    <a:pt x="1176817" y="625554"/>
-                  </a:lnTo>
-                  <a:lnTo>
-                    <a:pt x="1220425" y="568686"/>
-                  </a:lnTo>
-                  <a:lnTo>
-                    <a:pt x="1264032" y="511817"/>
-                  </a:lnTo>
-                  <a:lnTo>
-                    <a:pt x="1307639" y="454948"/>
-                  </a:lnTo>
-                  <a:lnTo>
-                    <a:pt x="1351247" y="398080"/>
-                  </a:lnTo>
-                  <a:lnTo>
-                    <a:pt x="1394854" y="341211"/>
-                  </a:lnTo>
-                  <a:lnTo>
-                    <a:pt x="1438461" y="284343"/>
-                  </a:lnTo>
-                  <a:lnTo>
-                    <a:pt x="1482069" y="227474"/>
-                  </a:lnTo>
-                  <a:lnTo>
-                    <a:pt x="1525676" y="170605"/>
-                  </a:lnTo>
-                  <a:lnTo>
-                    <a:pt x="1569283" y="113737"/>
-                  </a:lnTo>
-                  <a:lnTo>
-                    <a:pt x="1612891" y="56868"/>
+                    <a:pt x="1504778" y="40716"/>
+                  </a:lnTo>
+                  <a:lnTo>
+                    <a:pt x="1451036" y="81433"/>
+                  </a:lnTo>
+                  <a:lnTo>
+                    <a:pt x="1397294" y="122150"/>
+                  </a:lnTo>
+                  <a:lnTo>
+                    <a:pt x="1343552" y="162867"/>
+                  </a:lnTo>
+                  <a:lnTo>
+                    <a:pt x="1289809" y="203584"/>
+                  </a:lnTo>
+                  <a:lnTo>
+                    <a:pt x="1236067" y="244301"/>
+                  </a:lnTo>
+                  <a:lnTo>
+                    <a:pt x="1182325" y="285018"/>
+                  </a:lnTo>
+                  <a:lnTo>
+                    <a:pt x="1128583" y="325735"/>
+                  </a:lnTo>
+                  <a:lnTo>
+                    <a:pt x="1074841" y="366452"/>
+                  </a:lnTo>
+                  <a:lnTo>
+                    <a:pt x="1021099" y="407169"/>
+                  </a:lnTo>
+                  <a:lnTo>
+                    <a:pt x="967357" y="447886"/>
+                  </a:lnTo>
+                  <a:lnTo>
+                    <a:pt x="913615" y="488603"/>
+                  </a:lnTo>
+                  <a:lnTo>
+                    <a:pt x="859873" y="529320"/>
+                  </a:lnTo>
+                  <a:lnTo>
+                    <a:pt x="806131" y="570037"/>
+                  </a:lnTo>
+                  <a:lnTo>
+                    <a:pt x="752389" y="610754"/>
+                  </a:lnTo>
+                  <a:lnTo>
+                    <a:pt x="698647" y="651471"/>
+                  </a:lnTo>
+                  <a:lnTo>
+                    <a:pt x="644904" y="692188"/>
+                  </a:lnTo>
+                  <a:lnTo>
+                    <a:pt x="591162" y="732904"/>
+                  </a:lnTo>
+                  <a:lnTo>
+                    <a:pt x="537420" y="773621"/>
+                  </a:lnTo>
+                  <a:lnTo>
+                    <a:pt x="483678" y="814338"/>
+                  </a:lnTo>
+                  <a:lnTo>
+                    <a:pt x="429936" y="855055"/>
+                  </a:lnTo>
+                  <a:lnTo>
+                    <a:pt x="376194" y="895772"/>
+                  </a:lnTo>
+                  <a:lnTo>
+                    <a:pt x="322452" y="936489"/>
+                  </a:lnTo>
+                  <a:lnTo>
+                    <a:pt x="268710" y="977206"/>
+                  </a:lnTo>
+                  <a:lnTo>
+                    <a:pt x="214968" y="1017923"/>
+                  </a:lnTo>
+                  <a:lnTo>
+                    <a:pt x="161226" y="1058640"/>
+                  </a:lnTo>
+                  <a:lnTo>
+                    <a:pt x="107484" y="1099357"/>
+                  </a:lnTo>
+                  <a:lnTo>
+                    <a:pt x="53742" y="1140074"/>
+                  </a:lnTo>
+                  <a:lnTo>
+                    <a:pt x="0" y="1180791"/>
+                  </a:lnTo>
+                  <a:lnTo>
+                    <a:pt x="46383" y="1239635"/>
+                  </a:lnTo>
+                  <a:lnTo>
+                    <a:pt x="94987" y="1296659"/>
+                  </a:lnTo>
+                  <a:lnTo>
+                    <a:pt x="145740" y="1351779"/>
+                  </a:lnTo>
+                  <a:lnTo>
+                    <a:pt x="198567" y="1404913"/>
+                  </a:lnTo>
+                  <a:lnTo>
+                    <a:pt x="253392" y="1455985"/>
+                  </a:lnTo>
+                  <a:lnTo>
+                    <a:pt x="310133" y="1504919"/>
+                  </a:lnTo>
+                  <a:lnTo>
+                    <a:pt x="368707" y="1551643"/>
+                  </a:lnTo>
+                  <a:lnTo>
+                    <a:pt x="409735" y="1498138"/>
+                  </a:lnTo>
+                  <a:lnTo>
+                    <a:pt x="450763" y="1444634"/>
+                  </a:lnTo>
+                  <a:lnTo>
+                    <a:pt x="491791" y="1391129"/>
+                  </a:lnTo>
+                  <a:lnTo>
+                    <a:pt x="532819" y="1337624"/>
+                  </a:lnTo>
+                  <a:lnTo>
+                    <a:pt x="573847" y="1284119"/>
+                  </a:lnTo>
+                  <a:lnTo>
+                    <a:pt x="614875" y="1230614"/>
+                  </a:lnTo>
+                  <a:lnTo>
+                    <a:pt x="655903" y="1177109"/>
+                  </a:lnTo>
+                  <a:lnTo>
+                    <a:pt x="696931" y="1123604"/>
+                  </a:lnTo>
+                  <a:lnTo>
+                    <a:pt x="737959" y="1070099"/>
+                  </a:lnTo>
+                  <a:lnTo>
+                    <a:pt x="778987" y="1016594"/>
+                  </a:lnTo>
+                  <a:lnTo>
+                    <a:pt x="820015" y="963089"/>
+                  </a:lnTo>
+                  <a:lnTo>
+                    <a:pt x="861043" y="909584"/>
+                  </a:lnTo>
+                  <a:lnTo>
+                    <a:pt x="902071" y="856079"/>
+                  </a:lnTo>
+                  <a:lnTo>
+                    <a:pt x="943099" y="802574"/>
+                  </a:lnTo>
+                  <a:lnTo>
+                    <a:pt x="984127" y="749069"/>
+                  </a:lnTo>
+                  <a:lnTo>
+                    <a:pt x="1025155" y="695564"/>
+                  </a:lnTo>
+                  <a:lnTo>
+                    <a:pt x="1066183" y="642059"/>
+                  </a:lnTo>
+                  <a:lnTo>
+                    <a:pt x="1107212" y="588554"/>
+                  </a:lnTo>
+                  <a:lnTo>
+                    <a:pt x="1148240" y="535049"/>
+                  </a:lnTo>
+                  <a:lnTo>
+                    <a:pt x="1189268" y="481544"/>
+                  </a:lnTo>
+                  <a:lnTo>
+                    <a:pt x="1230296" y="428039"/>
+                  </a:lnTo>
+                  <a:lnTo>
+                    <a:pt x="1271324" y="374534"/>
+                  </a:lnTo>
+                  <a:lnTo>
+                    <a:pt x="1312352" y="321029"/>
+                  </a:lnTo>
+                  <a:lnTo>
+                    <a:pt x="1353380" y="267524"/>
+                  </a:lnTo>
+                  <a:lnTo>
+                    <a:pt x="1394408" y="214019"/>
+                  </a:lnTo>
+                  <a:lnTo>
+                    <a:pt x="1435436" y="160514"/>
+                  </a:lnTo>
+                  <a:lnTo>
+                    <a:pt x="1476464" y="107009"/>
+                  </a:lnTo>
+                  <a:lnTo>
+                    <a:pt x="1517492" y="53504"/>
                   </a:lnTo>
                   <a:close/>
                 </a:path>
@@ -5881,282 +5935,282 @@
           </p:nvSpPr>
           <p:spPr>
             <a:xfrm>
-              <a:off x="2103204" y="3170679"/>
-              <a:ext cx="2078236" cy="2145328"/>
+              <a:off x="2226127" y="3069685"/>
+              <a:ext cx="1955314" cy="2018437"/>
             </a:xfrm>
             <a:custGeom>
               <a:avLst/>
               <a:pathLst>
-                <a:path w="2078236" h="2145328">
+                <a:path w="1955314" h="2018437">
                   <a:moveTo>
-                    <a:pt x="2078236" y="890305"/>
+                    <a:pt x="1955314" y="837645"/>
                   </a:moveTo>
                   <a:lnTo>
-                    <a:pt x="2013482" y="859604"/>
-                  </a:lnTo>
-                  <a:lnTo>
-                    <a:pt x="1948727" y="828904"/>
-                  </a:lnTo>
-                  <a:lnTo>
-                    <a:pt x="1883973" y="798204"/>
-                  </a:lnTo>
-                  <a:lnTo>
-                    <a:pt x="1819219" y="767504"/>
-                  </a:lnTo>
-                  <a:lnTo>
-                    <a:pt x="1754464" y="736804"/>
-                  </a:lnTo>
-                  <a:lnTo>
-                    <a:pt x="1689710" y="706104"/>
-                  </a:lnTo>
-                  <a:lnTo>
-                    <a:pt x="1624955" y="675403"/>
-                  </a:lnTo>
-                  <a:lnTo>
-                    <a:pt x="1560201" y="644703"/>
-                  </a:lnTo>
-                  <a:lnTo>
-                    <a:pt x="1495447" y="614003"/>
-                  </a:lnTo>
-                  <a:lnTo>
-                    <a:pt x="1430692" y="583303"/>
-                  </a:lnTo>
-                  <a:lnTo>
-                    <a:pt x="1365938" y="552603"/>
-                  </a:lnTo>
-                  <a:lnTo>
-                    <a:pt x="1301183" y="521903"/>
-                  </a:lnTo>
-                  <a:lnTo>
-                    <a:pt x="1236429" y="491202"/>
-                  </a:lnTo>
-                  <a:lnTo>
-                    <a:pt x="1171674" y="460502"/>
-                  </a:lnTo>
-                  <a:lnTo>
-                    <a:pt x="1106920" y="429802"/>
-                  </a:lnTo>
-                  <a:lnTo>
-                    <a:pt x="1042166" y="399102"/>
-                  </a:lnTo>
-                  <a:lnTo>
-                    <a:pt x="977411" y="368402"/>
-                  </a:lnTo>
-                  <a:lnTo>
-                    <a:pt x="912657" y="337701"/>
-                  </a:lnTo>
-                  <a:lnTo>
-                    <a:pt x="847902" y="307001"/>
-                  </a:lnTo>
-                  <a:lnTo>
-                    <a:pt x="783148" y="276301"/>
-                  </a:lnTo>
-                  <a:lnTo>
-                    <a:pt x="718394" y="245601"/>
-                  </a:lnTo>
-                  <a:lnTo>
-                    <a:pt x="653639" y="214901"/>
-                  </a:lnTo>
-                  <a:lnTo>
-                    <a:pt x="588885" y="184201"/>
-                  </a:lnTo>
-                  <a:lnTo>
-                    <a:pt x="524130" y="153500"/>
-                  </a:lnTo>
-                  <a:lnTo>
-                    <a:pt x="459376" y="122800"/>
-                  </a:lnTo>
-                  <a:lnTo>
-                    <a:pt x="394621" y="92100"/>
-                  </a:lnTo>
-                  <a:lnTo>
-                    <a:pt x="329867" y="61400"/>
-                  </a:lnTo>
-                  <a:lnTo>
-                    <a:pt x="265113" y="30700"/>
-                  </a:lnTo>
-                  <a:lnTo>
-                    <a:pt x="200358" y="0"/>
-                  </a:lnTo>
-                  <a:lnTo>
-                    <a:pt x="171099" y="64533"/>
-                  </a:lnTo>
-                  <a:lnTo>
-                    <a:pt x="144057" y="130027"/>
-                  </a:lnTo>
-                  <a:lnTo>
-                    <a:pt x="119264" y="196405"/>
-                  </a:lnTo>
-                  <a:lnTo>
-                    <a:pt x="96748" y="263589"/>
-                  </a:lnTo>
-                  <a:lnTo>
-                    <a:pt x="76535" y="331502"/>
-                  </a:lnTo>
-                  <a:lnTo>
-                    <a:pt x="58649" y="400065"/>
-                  </a:lnTo>
-                  <a:lnTo>
-                    <a:pt x="43110" y="469197"/>
-                  </a:lnTo>
-                  <a:lnTo>
-                    <a:pt x="29938" y="538819"/>
-                  </a:lnTo>
-                  <a:lnTo>
-                    <a:pt x="19146" y="608849"/>
-                  </a:lnTo>
-                  <a:lnTo>
-                    <a:pt x="10748" y="679207"/>
-                  </a:lnTo>
-                  <a:lnTo>
-                    <a:pt x="4754" y="749810"/>
-                  </a:lnTo>
-                  <a:lnTo>
-                    <a:pt x="1169" y="820576"/>
-                  </a:lnTo>
-                  <a:lnTo>
-                    <a:pt x="0" y="891423"/>
-                  </a:lnTo>
-                  <a:lnTo>
-                    <a:pt x="1246" y="962269"/>
-                  </a:lnTo>
-                  <a:lnTo>
-                    <a:pt x="4906" y="1033032"/>
-                  </a:lnTo>
-                  <a:lnTo>
-                    <a:pt x="10977" y="1103628"/>
-                  </a:lnTo>
-                  <a:lnTo>
-                    <a:pt x="19450" y="1173977"/>
-                  </a:lnTo>
-                  <a:lnTo>
-                    <a:pt x="30317" y="1243996"/>
-                  </a:lnTo>
-                  <a:lnTo>
-                    <a:pt x="43565" y="1313603"/>
-                  </a:lnTo>
-                  <a:lnTo>
-                    <a:pt x="59178" y="1382719"/>
-                  </a:lnTo>
-                  <a:lnTo>
-                    <a:pt x="77138" y="1451262"/>
-                  </a:lnTo>
-                  <a:lnTo>
-                    <a:pt x="97424" y="1519153"/>
-                  </a:lnTo>
-                  <a:lnTo>
-                    <a:pt x="120012" y="1586313"/>
-                  </a:lnTo>
-                  <a:lnTo>
-                    <a:pt x="144877" y="1652664"/>
-                  </a:lnTo>
-                  <a:lnTo>
-                    <a:pt x="171990" y="1718129"/>
-                  </a:lnTo>
-                  <a:lnTo>
-                    <a:pt x="201318" y="1782631"/>
-                  </a:lnTo>
-                  <a:lnTo>
-                    <a:pt x="232828" y="1846096"/>
-                  </a:lnTo>
-                  <a:lnTo>
-                    <a:pt x="266483" y="1908450"/>
-                  </a:lnTo>
-                  <a:lnTo>
-                    <a:pt x="302245" y="1969621"/>
-                  </a:lnTo>
-                  <a:lnTo>
-                    <a:pt x="340071" y="2029537"/>
-                  </a:lnTo>
-                  <a:lnTo>
-                    <a:pt x="379917" y="2088128"/>
-                  </a:lnTo>
-                  <a:lnTo>
-                    <a:pt x="421738" y="2145328"/>
-                  </a:lnTo>
-                  <a:lnTo>
-                    <a:pt x="478859" y="2102051"/>
-                  </a:lnTo>
-                  <a:lnTo>
-                    <a:pt x="535979" y="2058774"/>
-                  </a:lnTo>
-                  <a:lnTo>
-                    <a:pt x="593100" y="2015498"/>
-                  </a:lnTo>
-                  <a:lnTo>
-                    <a:pt x="650220" y="1972221"/>
-                  </a:lnTo>
-                  <a:lnTo>
-                    <a:pt x="707341" y="1928944"/>
-                  </a:lnTo>
-                  <a:lnTo>
-                    <a:pt x="764462" y="1885668"/>
-                  </a:lnTo>
-                  <a:lnTo>
-                    <a:pt x="821582" y="1842391"/>
-                  </a:lnTo>
-                  <a:lnTo>
-                    <a:pt x="878703" y="1799114"/>
-                  </a:lnTo>
-                  <a:lnTo>
-                    <a:pt x="935824" y="1755838"/>
-                  </a:lnTo>
-                  <a:lnTo>
-                    <a:pt x="992944" y="1712561"/>
-                  </a:lnTo>
-                  <a:lnTo>
-                    <a:pt x="1050065" y="1669284"/>
-                  </a:lnTo>
-                  <a:lnTo>
-                    <a:pt x="1107186" y="1626008"/>
-                  </a:lnTo>
-                  <a:lnTo>
-                    <a:pt x="1164306" y="1582731"/>
-                  </a:lnTo>
-                  <a:lnTo>
-                    <a:pt x="1221427" y="1539454"/>
-                  </a:lnTo>
-                  <a:lnTo>
-                    <a:pt x="1278547" y="1496178"/>
-                  </a:lnTo>
-                  <a:lnTo>
-                    <a:pt x="1335668" y="1452901"/>
-                  </a:lnTo>
-                  <a:lnTo>
-                    <a:pt x="1392789" y="1409624"/>
-                  </a:lnTo>
-                  <a:lnTo>
-                    <a:pt x="1449909" y="1366348"/>
-                  </a:lnTo>
-                  <a:lnTo>
-                    <a:pt x="1507030" y="1323071"/>
-                  </a:lnTo>
-                  <a:lnTo>
-                    <a:pt x="1564151" y="1279794"/>
-                  </a:lnTo>
-                  <a:lnTo>
-                    <a:pt x="1621271" y="1236518"/>
-                  </a:lnTo>
-                  <a:lnTo>
-                    <a:pt x="1678392" y="1193241"/>
-                  </a:lnTo>
-                  <a:lnTo>
-                    <a:pt x="1735512" y="1149965"/>
-                  </a:lnTo>
-                  <a:lnTo>
-                    <a:pt x="1792633" y="1106688"/>
-                  </a:lnTo>
-                  <a:lnTo>
-                    <a:pt x="1849754" y="1063411"/>
-                  </a:lnTo>
-                  <a:lnTo>
-                    <a:pt x="1906874" y="1020135"/>
-                  </a:lnTo>
-                  <a:lnTo>
-                    <a:pt x="1963995" y="976858"/>
-                  </a:lnTo>
-                  <a:lnTo>
-                    <a:pt x="2021116" y="933581"/>
+                    <a:pt x="1894389" y="808761"/>
+                  </a:lnTo>
+                  <a:lnTo>
+                    <a:pt x="1833465" y="779877"/>
+                  </a:lnTo>
+                  <a:lnTo>
+                    <a:pt x="1772540" y="750992"/>
+                  </a:lnTo>
+                  <a:lnTo>
+                    <a:pt x="1711616" y="722108"/>
+                  </a:lnTo>
+                  <a:lnTo>
+                    <a:pt x="1650692" y="693224"/>
+                  </a:lnTo>
+                  <a:lnTo>
+                    <a:pt x="1589767" y="664339"/>
+                  </a:lnTo>
+                  <a:lnTo>
+                    <a:pt x="1528843" y="635455"/>
+                  </a:lnTo>
+                  <a:lnTo>
+                    <a:pt x="1467919" y="606571"/>
+                  </a:lnTo>
+                  <a:lnTo>
+                    <a:pt x="1406994" y="577686"/>
+                  </a:lnTo>
+                  <a:lnTo>
+                    <a:pt x="1346070" y="548802"/>
+                  </a:lnTo>
+                  <a:lnTo>
+                    <a:pt x="1285146" y="519918"/>
+                  </a:lnTo>
+                  <a:lnTo>
+                    <a:pt x="1224221" y="491033"/>
+                  </a:lnTo>
+                  <a:lnTo>
+                    <a:pt x="1163297" y="462149"/>
+                  </a:lnTo>
+                  <a:lnTo>
+                    <a:pt x="1102373" y="433265"/>
+                  </a:lnTo>
+                  <a:lnTo>
+                    <a:pt x="1041448" y="404380"/>
+                  </a:lnTo>
+                  <a:lnTo>
+                    <a:pt x="980524" y="375496"/>
+                  </a:lnTo>
+                  <a:lnTo>
+                    <a:pt x="919600" y="346612"/>
+                  </a:lnTo>
+                  <a:lnTo>
+                    <a:pt x="858675" y="317727"/>
+                  </a:lnTo>
+                  <a:lnTo>
+                    <a:pt x="797751" y="288843"/>
+                  </a:lnTo>
+                  <a:lnTo>
+                    <a:pt x="736827" y="259959"/>
+                  </a:lnTo>
+                  <a:lnTo>
+                    <a:pt x="675902" y="231074"/>
+                  </a:lnTo>
+                  <a:lnTo>
+                    <a:pt x="614978" y="202190"/>
+                  </a:lnTo>
+                  <a:lnTo>
+                    <a:pt x="554054" y="173306"/>
+                  </a:lnTo>
+                  <a:lnTo>
+                    <a:pt x="493129" y="144421"/>
+                  </a:lnTo>
+                  <a:lnTo>
+                    <a:pt x="432205" y="115537"/>
+                  </a:lnTo>
+                  <a:lnTo>
+                    <a:pt x="371280" y="86653"/>
+                  </a:lnTo>
+                  <a:lnTo>
+                    <a:pt x="310356" y="57768"/>
+                  </a:lnTo>
+                  <a:lnTo>
+                    <a:pt x="249432" y="28884"/>
+                  </a:lnTo>
+                  <a:lnTo>
+                    <a:pt x="188507" y="0"/>
+                  </a:lnTo>
+                  <a:lnTo>
+                    <a:pt x="160979" y="60716"/>
+                  </a:lnTo>
+                  <a:lnTo>
+                    <a:pt x="135537" y="122337"/>
+                  </a:lnTo>
+                  <a:lnTo>
+                    <a:pt x="112210" y="184788"/>
+                  </a:lnTo>
+                  <a:lnTo>
+                    <a:pt x="91025" y="247999"/>
+                  </a:lnTo>
+                  <a:lnTo>
+                    <a:pt x="72008" y="311895"/>
+                  </a:lnTo>
+                  <a:lnTo>
+                    <a:pt x="55180" y="376402"/>
+                  </a:lnTo>
+                  <a:lnTo>
+                    <a:pt x="40560" y="441445"/>
+                  </a:lnTo>
+                  <a:lnTo>
+                    <a:pt x="28167" y="506949"/>
+                  </a:lnTo>
+                  <a:lnTo>
+                    <a:pt x="18014" y="572837"/>
+                  </a:lnTo>
+                  <a:lnTo>
+                    <a:pt x="10112" y="639033"/>
+                  </a:lnTo>
+                  <a:lnTo>
+                    <a:pt x="4472" y="705460"/>
+                  </a:lnTo>
+                  <a:lnTo>
+                    <a:pt x="1100" y="772041"/>
+                  </a:lnTo>
+                  <a:lnTo>
+                    <a:pt x="0" y="838698"/>
+                  </a:lnTo>
+                  <a:lnTo>
+                    <a:pt x="1172" y="905354"/>
+                  </a:lnTo>
+                  <a:lnTo>
+                    <a:pt x="4616" y="971930"/>
+                  </a:lnTo>
+                  <a:lnTo>
+                    <a:pt x="10327" y="1038351"/>
+                  </a:lnTo>
+                  <a:lnTo>
+                    <a:pt x="18300" y="1104539"/>
+                  </a:lnTo>
+                  <a:lnTo>
+                    <a:pt x="28524" y="1170416"/>
+                  </a:lnTo>
+                  <a:lnTo>
+                    <a:pt x="40988" y="1235907"/>
+                  </a:lnTo>
+                  <a:lnTo>
+                    <a:pt x="55677" y="1300934"/>
+                  </a:lnTo>
+                  <a:lnTo>
+                    <a:pt x="72575" y="1365423"/>
+                  </a:lnTo>
+                  <a:lnTo>
+                    <a:pt x="91661" y="1429299"/>
+                  </a:lnTo>
+                  <a:lnTo>
+                    <a:pt x="112914" y="1492486"/>
+                  </a:lnTo>
+                  <a:lnTo>
+                    <a:pt x="136308" y="1554913"/>
+                  </a:lnTo>
+                  <a:lnTo>
+                    <a:pt x="161817" y="1616505"/>
+                  </a:lnTo>
+                  <a:lnTo>
+                    <a:pt x="189410" y="1677193"/>
+                  </a:lnTo>
+                  <a:lnTo>
+                    <a:pt x="219057" y="1736904"/>
+                  </a:lnTo>
+                  <a:lnTo>
+                    <a:pt x="250721" y="1795570"/>
+                  </a:lnTo>
+                  <a:lnTo>
+                    <a:pt x="284368" y="1853122"/>
+                  </a:lnTo>
+                  <a:lnTo>
+                    <a:pt x="319956" y="1909495"/>
+                  </a:lnTo>
+                  <a:lnTo>
+                    <a:pt x="357446" y="1964621"/>
+                  </a:lnTo>
+                  <a:lnTo>
+                    <a:pt x="396793" y="2018437"/>
+                  </a:lnTo>
+                  <a:lnTo>
+                    <a:pt x="450535" y="1977720"/>
+                  </a:lnTo>
+                  <a:lnTo>
+                    <a:pt x="504277" y="1937003"/>
+                  </a:lnTo>
+                  <a:lnTo>
+                    <a:pt x="558019" y="1896286"/>
+                  </a:lnTo>
+                  <a:lnTo>
+                    <a:pt x="611761" y="1855569"/>
+                  </a:lnTo>
+                  <a:lnTo>
+                    <a:pt x="665504" y="1814852"/>
+                  </a:lnTo>
+                  <a:lnTo>
+                    <a:pt x="719246" y="1774135"/>
+                  </a:lnTo>
+                  <a:lnTo>
+                    <a:pt x="772988" y="1733418"/>
+                  </a:lnTo>
+                  <a:lnTo>
+                    <a:pt x="826730" y="1692701"/>
+                  </a:lnTo>
+                  <a:lnTo>
+                    <a:pt x="880472" y="1651984"/>
+                  </a:lnTo>
+                  <a:lnTo>
+                    <a:pt x="934214" y="1611267"/>
+                  </a:lnTo>
+                  <a:lnTo>
+                    <a:pt x="987956" y="1570550"/>
+                  </a:lnTo>
+                  <a:lnTo>
+                    <a:pt x="1041698" y="1529833"/>
+                  </a:lnTo>
+                  <a:lnTo>
+                    <a:pt x="1095440" y="1489116"/>
+                  </a:lnTo>
+                  <a:lnTo>
+                    <a:pt x="1149182" y="1448399"/>
+                  </a:lnTo>
+                  <a:lnTo>
+                    <a:pt x="1202924" y="1407682"/>
+                  </a:lnTo>
+                  <a:lnTo>
+                    <a:pt x="1256666" y="1366965"/>
+                  </a:lnTo>
+                  <a:lnTo>
+                    <a:pt x="1310409" y="1326249"/>
+                  </a:lnTo>
+                  <a:lnTo>
+                    <a:pt x="1364151" y="1285532"/>
+                  </a:lnTo>
+                  <a:lnTo>
+                    <a:pt x="1417893" y="1244815"/>
+                  </a:lnTo>
+                  <a:lnTo>
+                    <a:pt x="1471635" y="1204098"/>
+                  </a:lnTo>
+                  <a:lnTo>
+                    <a:pt x="1525377" y="1163381"/>
+                  </a:lnTo>
+                  <a:lnTo>
+                    <a:pt x="1579119" y="1122664"/>
+                  </a:lnTo>
+                  <a:lnTo>
+                    <a:pt x="1632861" y="1081947"/>
+                  </a:lnTo>
+                  <a:lnTo>
+                    <a:pt x="1686603" y="1041230"/>
+                  </a:lnTo>
+                  <a:lnTo>
+                    <a:pt x="1740345" y="1000513"/>
+                  </a:lnTo>
+                  <a:lnTo>
+                    <a:pt x="1794087" y="959796"/>
+                  </a:lnTo>
+                  <a:lnTo>
+                    <a:pt x="1847829" y="919079"/>
+                  </a:lnTo>
+                  <a:lnTo>
+                    <a:pt x="1901571" y="878362"/>
                   </a:lnTo>
                   <a:close/>
                 </a:path>
@@ -6191,270 +6245,270 @@
           </p:nvSpPr>
           <p:spPr>
             <a:xfrm>
-              <a:off x="2303563" y="2013003"/>
-              <a:ext cx="1877878" cy="2047981"/>
+              <a:off x="2414635" y="1980482"/>
+              <a:ext cx="1766806" cy="1926848"/>
             </a:xfrm>
             <a:custGeom>
               <a:avLst/>
               <a:pathLst>
-                <a:path w="1877878" h="2047981">
+                <a:path w="1766806" h="1926848">
                   <a:moveTo>
-                    <a:pt x="1877878" y="2047981"/>
+                    <a:pt x="1766806" y="1926848"/>
                   </a:moveTo>
                   <a:lnTo>
-                    <a:pt x="1865694" y="1977361"/>
-                  </a:lnTo>
-                  <a:lnTo>
-                    <a:pt x="1853510" y="1906741"/>
-                  </a:lnTo>
-                  <a:lnTo>
-                    <a:pt x="1841326" y="1836121"/>
-                  </a:lnTo>
-                  <a:lnTo>
-                    <a:pt x="1829142" y="1765501"/>
-                  </a:lnTo>
-                  <a:lnTo>
-                    <a:pt x="1816959" y="1694881"/>
-                  </a:lnTo>
-                  <a:lnTo>
-                    <a:pt x="1804775" y="1624260"/>
-                  </a:lnTo>
-                  <a:lnTo>
-                    <a:pt x="1792591" y="1553640"/>
-                  </a:lnTo>
-                  <a:lnTo>
-                    <a:pt x="1780407" y="1483020"/>
-                  </a:lnTo>
-                  <a:lnTo>
-                    <a:pt x="1768223" y="1412400"/>
-                  </a:lnTo>
-                  <a:lnTo>
-                    <a:pt x="1756040" y="1341780"/>
-                  </a:lnTo>
-                  <a:lnTo>
-                    <a:pt x="1743856" y="1271160"/>
-                  </a:lnTo>
-                  <a:lnTo>
-                    <a:pt x="1731672" y="1200540"/>
-                  </a:lnTo>
-                  <a:lnTo>
-                    <a:pt x="1719488" y="1129920"/>
-                  </a:lnTo>
-                  <a:lnTo>
-                    <a:pt x="1707304" y="1059300"/>
-                  </a:lnTo>
-                  <a:lnTo>
-                    <a:pt x="1695121" y="988680"/>
-                  </a:lnTo>
-                  <a:lnTo>
-                    <a:pt x="1682937" y="918060"/>
-                  </a:lnTo>
-                  <a:lnTo>
-                    <a:pt x="1670753" y="847440"/>
-                  </a:lnTo>
-                  <a:lnTo>
-                    <a:pt x="1658569" y="776820"/>
-                  </a:lnTo>
-                  <a:lnTo>
-                    <a:pt x="1646385" y="706200"/>
-                  </a:lnTo>
-                  <a:lnTo>
-                    <a:pt x="1634202" y="635580"/>
-                  </a:lnTo>
-                  <a:lnTo>
-                    <a:pt x="1622018" y="564960"/>
-                  </a:lnTo>
-                  <a:lnTo>
-                    <a:pt x="1609834" y="494340"/>
-                  </a:lnTo>
-                  <a:lnTo>
-                    <a:pt x="1597650" y="423720"/>
-                  </a:lnTo>
-                  <a:lnTo>
-                    <a:pt x="1585466" y="353100"/>
-                  </a:lnTo>
-                  <a:lnTo>
-                    <a:pt x="1573283" y="282480"/>
-                  </a:lnTo>
-                  <a:lnTo>
-                    <a:pt x="1561099" y="211860"/>
-                  </a:lnTo>
-                  <a:lnTo>
-                    <a:pt x="1548915" y="141240"/>
-                  </a:lnTo>
-                  <a:lnTo>
-                    <a:pt x="1536731" y="70620"/>
-                  </a:lnTo>
-                  <a:lnTo>
-                    <a:pt x="1524548" y="0"/>
-                  </a:lnTo>
-                  <a:lnTo>
-                    <a:pt x="1454753" y="13273"/>
-                  </a:lnTo>
-                  <a:lnTo>
-                    <a:pt x="1385453" y="28925"/>
-                  </a:lnTo>
-                  <a:lnTo>
-                    <a:pt x="1316729" y="46936"/>
-                  </a:lnTo>
-                  <a:lnTo>
-                    <a:pt x="1248660" y="67285"/>
-                  </a:lnTo>
-                  <a:lnTo>
-                    <a:pt x="1181327" y="89949"/>
-                  </a:lnTo>
-                  <a:lnTo>
-                    <a:pt x="1114808" y="114902"/>
-                  </a:lnTo>
-                  <a:lnTo>
-                    <a:pt x="1049180" y="142113"/>
-                  </a:lnTo>
-                  <a:lnTo>
-                    <a:pt x="984521" y="171552"/>
-                  </a:lnTo>
-                  <a:lnTo>
-                    <a:pt x="920906" y="203184"/>
-                  </a:lnTo>
-                  <a:lnTo>
-                    <a:pt x="858410" y="236971"/>
-                  </a:lnTo>
-                  <a:lnTo>
-                    <a:pt x="797104" y="272875"/>
-                  </a:lnTo>
-                  <a:lnTo>
-                    <a:pt x="737062" y="310854"/>
-                  </a:lnTo>
-                  <a:lnTo>
-                    <a:pt x="678353" y="350862"/>
-                  </a:lnTo>
-                  <a:lnTo>
-                    <a:pt x="621046" y="392854"/>
-                  </a:lnTo>
-                  <a:lnTo>
-                    <a:pt x="565207" y="436780"/>
-                  </a:lnTo>
-                  <a:lnTo>
-                    <a:pt x="510903" y="482589"/>
-                  </a:lnTo>
-                  <a:lnTo>
-                    <a:pt x="458196" y="530228"/>
-                  </a:lnTo>
-                  <a:lnTo>
-                    <a:pt x="407148" y="579640"/>
-                  </a:lnTo>
-                  <a:lnTo>
-                    <a:pt x="357819" y="630768"/>
-                  </a:lnTo>
-                  <a:lnTo>
-                    <a:pt x="310267" y="683552"/>
-                  </a:lnTo>
-                  <a:lnTo>
-                    <a:pt x="264546" y="737931"/>
-                  </a:lnTo>
-                  <a:lnTo>
-                    <a:pt x="220711" y="793841"/>
-                  </a:lnTo>
-                  <a:lnTo>
-                    <a:pt x="178812" y="851216"/>
-                  </a:lnTo>
-                  <a:lnTo>
-                    <a:pt x="138899" y="909990"/>
-                  </a:lnTo>
-                  <a:lnTo>
-                    <a:pt x="101018" y="970094"/>
-                  </a:lnTo>
-                  <a:lnTo>
-                    <a:pt x="65214" y="1031458"/>
-                  </a:lnTo>
-                  <a:lnTo>
-                    <a:pt x="31528" y="1094009"/>
-                  </a:lnTo>
-                  <a:lnTo>
-                    <a:pt x="0" y="1157676"/>
-                  </a:lnTo>
-                  <a:lnTo>
-                    <a:pt x="64754" y="1188376"/>
-                  </a:lnTo>
-                  <a:lnTo>
-                    <a:pt x="129508" y="1219076"/>
-                  </a:lnTo>
-                  <a:lnTo>
-                    <a:pt x="194263" y="1249776"/>
-                  </a:lnTo>
-                  <a:lnTo>
-                    <a:pt x="259017" y="1280476"/>
-                  </a:lnTo>
-                  <a:lnTo>
-                    <a:pt x="323772" y="1311176"/>
-                  </a:lnTo>
-                  <a:lnTo>
-                    <a:pt x="388526" y="1341877"/>
-                  </a:lnTo>
-                  <a:lnTo>
-                    <a:pt x="453280" y="1372577"/>
-                  </a:lnTo>
-                  <a:lnTo>
-                    <a:pt x="518035" y="1403277"/>
-                  </a:lnTo>
-                  <a:lnTo>
-                    <a:pt x="582789" y="1433977"/>
-                  </a:lnTo>
-                  <a:lnTo>
-                    <a:pt x="647544" y="1464677"/>
-                  </a:lnTo>
-                  <a:lnTo>
-                    <a:pt x="712298" y="1495378"/>
-                  </a:lnTo>
-                  <a:lnTo>
-                    <a:pt x="777052" y="1526078"/>
-                  </a:lnTo>
-                  <a:lnTo>
-                    <a:pt x="841807" y="1556778"/>
-                  </a:lnTo>
-                  <a:lnTo>
-                    <a:pt x="906561" y="1587478"/>
-                  </a:lnTo>
-                  <a:lnTo>
-                    <a:pt x="971316" y="1618178"/>
-                  </a:lnTo>
-                  <a:lnTo>
-                    <a:pt x="1036070" y="1648878"/>
-                  </a:lnTo>
-                  <a:lnTo>
-                    <a:pt x="1100825" y="1679579"/>
-                  </a:lnTo>
-                  <a:lnTo>
-                    <a:pt x="1165579" y="1710279"/>
-                  </a:lnTo>
-                  <a:lnTo>
-                    <a:pt x="1230333" y="1740979"/>
-                  </a:lnTo>
-                  <a:lnTo>
-                    <a:pt x="1295088" y="1771679"/>
-                  </a:lnTo>
-                  <a:lnTo>
-                    <a:pt x="1359842" y="1802379"/>
-                  </a:lnTo>
-                  <a:lnTo>
-                    <a:pt x="1424597" y="1833079"/>
-                  </a:lnTo>
-                  <a:lnTo>
-                    <a:pt x="1489351" y="1863780"/>
-                  </a:lnTo>
-                  <a:lnTo>
-                    <a:pt x="1554105" y="1894480"/>
-                  </a:lnTo>
-                  <a:lnTo>
-                    <a:pt x="1618860" y="1925180"/>
-                  </a:lnTo>
-                  <a:lnTo>
-                    <a:pt x="1683614" y="1955880"/>
-                  </a:lnTo>
-                  <a:lnTo>
-                    <a:pt x="1748369" y="1986580"/>
-                  </a:lnTo>
-                  <a:lnTo>
-                    <a:pt x="1813123" y="2017281"/>
+                    <a:pt x="1755342" y="1860404"/>
+                  </a:lnTo>
+                  <a:lnTo>
+                    <a:pt x="1743879" y="1793961"/>
+                  </a:lnTo>
+                  <a:lnTo>
+                    <a:pt x="1732416" y="1727518"/>
+                  </a:lnTo>
+                  <a:lnTo>
+                    <a:pt x="1720953" y="1661075"/>
+                  </a:lnTo>
+                  <a:lnTo>
+                    <a:pt x="1709490" y="1594632"/>
+                  </a:lnTo>
+                  <a:lnTo>
+                    <a:pt x="1698027" y="1528189"/>
+                  </a:lnTo>
+                  <a:lnTo>
+                    <a:pt x="1686564" y="1461746"/>
+                  </a:lnTo>
+                  <a:lnTo>
+                    <a:pt x="1675100" y="1395303"/>
+                  </a:lnTo>
+                  <a:lnTo>
+                    <a:pt x="1663637" y="1328860"/>
+                  </a:lnTo>
+                  <a:lnTo>
+                    <a:pt x="1652174" y="1262417"/>
+                  </a:lnTo>
+                  <a:lnTo>
+                    <a:pt x="1640711" y="1195974"/>
+                  </a:lnTo>
+                  <a:lnTo>
+                    <a:pt x="1629248" y="1129531"/>
+                  </a:lnTo>
+                  <a:lnTo>
+                    <a:pt x="1617785" y="1063088"/>
+                  </a:lnTo>
+                  <a:lnTo>
+                    <a:pt x="1606321" y="996645"/>
+                  </a:lnTo>
+                  <a:lnTo>
+                    <a:pt x="1594858" y="930202"/>
+                  </a:lnTo>
+                  <a:lnTo>
+                    <a:pt x="1583395" y="863759"/>
+                  </a:lnTo>
+                  <a:lnTo>
+                    <a:pt x="1571932" y="797316"/>
+                  </a:lnTo>
+                  <a:lnTo>
+                    <a:pt x="1560469" y="730873"/>
+                  </a:lnTo>
+                  <a:lnTo>
+                    <a:pt x="1549006" y="664430"/>
+                  </a:lnTo>
+                  <a:lnTo>
+                    <a:pt x="1537543" y="597987"/>
+                  </a:lnTo>
+                  <a:lnTo>
+                    <a:pt x="1526079" y="531544"/>
+                  </a:lnTo>
+                  <a:lnTo>
+                    <a:pt x="1514616" y="465101"/>
+                  </a:lnTo>
+                  <a:lnTo>
+                    <a:pt x="1503153" y="398658"/>
+                  </a:lnTo>
+                  <a:lnTo>
+                    <a:pt x="1491690" y="332215"/>
+                  </a:lnTo>
+                  <a:lnTo>
+                    <a:pt x="1480227" y="265772"/>
+                  </a:lnTo>
+                  <a:lnTo>
+                    <a:pt x="1468764" y="199329"/>
+                  </a:lnTo>
+                  <a:lnTo>
+                    <a:pt x="1457300" y="132886"/>
+                  </a:lnTo>
+                  <a:lnTo>
+                    <a:pt x="1445837" y="66443"/>
+                  </a:lnTo>
+                  <a:lnTo>
+                    <a:pt x="1434374" y="0"/>
+                  </a:lnTo>
+                  <a:lnTo>
+                    <a:pt x="1368708" y="12488"/>
+                  </a:lnTo>
+                  <a:lnTo>
+                    <a:pt x="1303507" y="27214"/>
+                  </a:lnTo>
+                  <a:lnTo>
+                    <a:pt x="1238848" y="44159"/>
+                  </a:lnTo>
+                  <a:lnTo>
+                    <a:pt x="1174805" y="63305"/>
+                  </a:lnTo>
+                  <a:lnTo>
+                    <a:pt x="1111454" y="84629"/>
+                  </a:lnTo>
+                  <a:lnTo>
+                    <a:pt x="1048870" y="108106"/>
+                  </a:lnTo>
+                  <a:lnTo>
+                    <a:pt x="987124" y="133708"/>
+                  </a:lnTo>
+                  <a:lnTo>
+                    <a:pt x="926289" y="161405"/>
+                  </a:lnTo>
+                  <a:lnTo>
+                    <a:pt x="866437" y="191166"/>
+                  </a:lnTo>
+                  <a:lnTo>
+                    <a:pt x="807637" y="222955"/>
+                  </a:lnTo>
+                  <a:lnTo>
+                    <a:pt x="749958" y="256736"/>
+                  </a:lnTo>
+                  <a:lnTo>
+                    <a:pt x="693467" y="292468"/>
+                  </a:lnTo>
+                  <a:lnTo>
+                    <a:pt x="638230" y="330110"/>
+                  </a:lnTo>
+                  <a:lnTo>
+                    <a:pt x="584312" y="369618"/>
+                  </a:lnTo>
+                  <a:lnTo>
+                    <a:pt x="531777" y="410946"/>
+                  </a:lnTo>
+                  <a:lnTo>
+                    <a:pt x="480684" y="454045"/>
+                  </a:lnTo>
+                  <a:lnTo>
+                    <a:pt x="431095" y="498866"/>
+                  </a:lnTo>
+                  <a:lnTo>
+                    <a:pt x="383066" y="545356"/>
+                  </a:lnTo>
+                  <a:lnTo>
+                    <a:pt x="336655" y="593460"/>
+                  </a:lnTo>
+                  <a:lnTo>
+                    <a:pt x="291915" y="643122"/>
+                  </a:lnTo>
+                  <a:lnTo>
+                    <a:pt x="248899" y="694284"/>
+                  </a:lnTo>
+                  <a:lnTo>
+                    <a:pt x="207656" y="746887"/>
+                  </a:lnTo>
+                  <a:lnTo>
+                    <a:pt x="168236" y="800869"/>
+                  </a:lnTo>
+                  <a:lnTo>
+                    <a:pt x="130683" y="856167"/>
+                  </a:lnTo>
+                  <a:lnTo>
+                    <a:pt x="95043" y="912715"/>
+                  </a:lnTo>
+                  <a:lnTo>
+                    <a:pt x="61356" y="970449"/>
+                  </a:lnTo>
+                  <a:lnTo>
+                    <a:pt x="29663" y="1029301"/>
+                  </a:lnTo>
+                  <a:lnTo>
+                    <a:pt x="0" y="1089202"/>
+                  </a:lnTo>
+                  <a:lnTo>
+                    <a:pt x="60924" y="1118086"/>
+                  </a:lnTo>
+                  <a:lnTo>
+                    <a:pt x="121848" y="1146971"/>
+                  </a:lnTo>
+                  <a:lnTo>
+                    <a:pt x="182773" y="1175855"/>
+                  </a:lnTo>
+                  <a:lnTo>
+                    <a:pt x="243697" y="1204739"/>
+                  </a:lnTo>
+                  <a:lnTo>
+                    <a:pt x="304621" y="1233624"/>
+                  </a:lnTo>
+                  <a:lnTo>
+                    <a:pt x="365546" y="1262508"/>
+                  </a:lnTo>
+                  <a:lnTo>
+                    <a:pt x="426470" y="1291392"/>
+                  </a:lnTo>
+                  <a:lnTo>
+                    <a:pt x="487394" y="1320277"/>
+                  </a:lnTo>
+                  <a:lnTo>
+                    <a:pt x="548319" y="1349161"/>
+                  </a:lnTo>
+                  <a:lnTo>
+                    <a:pt x="609243" y="1378045"/>
+                  </a:lnTo>
+                  <a:lnTo>
+                    <a:pt x="670167" y="1406930"/>
+                  </a:lnTo>
+                  <a:lnTo>
+                    <a:pt x="731092" y="1435814"/>
+                  </a:lnTo>
+                  <a:lnTo>
+                    <a:pt x="792016" y="1464698"/>
+                  </a:lnTo>
+                  <a:lnTo>
+                    <a:pt x="852940" y="1493583"/>
+                  </a:lnTo>
+                  <a:lnTo>
+                    <a:pt x="913865" y="1522467"/>
+                  </a:lnTo>
+                  <a:lnTo>
+                    <a:pt x="974789" y="1551351"/>
+                  </a:lnTo>
+                  <a:lnTo>
+                    <a:pt x="1035713" y="1580236"/>
+                  </a:lnTo>
+                  <a:lnTo>
+                    <a:pt x="1096638" y="1609120"/>
+                  </a:lnTo>
+                  <a:lnTo>
+                    <a:pt x="1157562" y="1638004"/>
+                  </a:lnTo>
+                  <a:lnTo>
+                    <a:pt x="1218486" y="1666889"/>
+                  </a:lnTo>
+                  <a:lnTo>
+                    <a:pt x="1279411" y="1695773"/>
+                  </a:lnTo>
+                  <a:lnTo>
+                    <a:pt x="1340335" y="1724657"/>
+                  </a:lnTo>
+                  <a:lnTo>
+                    <a:pt x="1401259" y="1753542"/>
+                  </a:lnTo>
+                  <a:lnTo>
+                    <a:pt x="1462184" y="1782426"/>
+                  </a:lnTo>
+                  <a:lnTo>
+                    <a:pt x="1523108" y="1811310"/>
+                  </a:lnTo>
+                  <a:lnTo>
+                    <a:pt x="1584033" y="1840195"/>
+                  </a:lnTo>
+                  <a:lnTo>
+                    <a:pt x="1644957" y="1869079"/>
+                  </a:lnTo>
+                  <a:lnTo>
+                    <a:pt x="1705881" y="1897963"/>
                   </a:lnTo>
                   <a:close/>
                 </a:path>
@@ -6489,195 +6543,195 @@
           </p:nvSpPr>
           <p:spPr>
             <a:xfrm>
-              <a:off x="3828111" y="1984239"/>
-              <a:ext cx="353330" cy="2076745"/>
+              <a:off x="3849010" y="1953420"/>
+              <a:ext cx="332431" cy="1953910"/>
             </a:xfrm>
             <a:custGeom>
               <a:avLst/>
               <a:pathLst>
-                <a:path w="353330" h="2076745">
+                <a:path w="332431" h="1953910">
                   <a:moveTo>
-                    <a:pt x="353330" y="2076745"/>
+                    <a:pt x="332431" y="1953910"/>
                   </a:moveTo>
                   <a:lnTo>
-                    <a:pt x="350615" y="2005133"/>
-                  </a:lnTo>
-                  <a:lnTo>
-                    <a:pt x="347900" y="1933521"/>
-                  </a:lnTo>
-                  <a:lnTo>
-                    <a:pt x="345185" y="1861909"/>
-                  </a:lnTo>
-                  <a:lnTo>
-                    <a:pt x="342470" y="1790297"/>
-                  </a:lnTo>
-                  <a:lnTo>
-                    <a:pt x="339755" y="1718685"/>
-                  </a:lnTo>
-                  <a:lnTo>
-                    <a:pt x="337040" y="1647073"/>
-                  </a:lnTo>
-                  <a:lnTo>
-                    <a:pt x="334325" y="1575461"/>
-                  </a:lnTo>
-                  <a:lnTo>
-                    <a:pt x="331611" y="1503849"/>
-                  </a:lnTo>
-                  <a:lnTo>
-                    <a:pt x="328896" y="1432238"/>
-                  </a:lnTo>
-                  <a:lnTo>
-                    <a:pt x="326181" y="1360626"/>
-                  </a:lnTo>
-                  <a:lnTo>
-                    <a:pt x="323466" y="1289014"/>
-                  </a:lnTo>
-                  <a:lnTo>
-                    <a:pt x="320751" y="1217402"/>
-                  </a:lnTo>
-                  <a:lnTo>
-                    <a:pt x="318036" y="1145790"/>
-                  </a:lnTo>
-                  <a:lnTo>
-                    <a:pt x="315321" y="1074178"/>
-                  </a:lnTo>
-                  <a:lnTo>
-                    <a:pt x="312607" y="1002566"/>
-                  </a:lnTo>
-                  <a:lnTo>
-                    <a:pt x="309892" y="930954"/>
-                  </a:lnTo>
-                  <a:lnTo>
-                    <a:pt x="307177" y="859342"/>
-                  </a:lnTo>
-                  <a:lnTo>
-                    <a:pt x="304462" y="787730"/>
-                  </a:lnTo>
-                  <a:lnTo>
-                    <a:pt x="301747" y="716119"/>
-                  </a:lnTo>
-                  <a:lnTo>
-                    <a:pt x="299032" y="644507"/>
-                  </a:lnTo>
-                  <a:lnTo>
-                    <a:pt x="296317" y="572895"/>
-                  </a:lnTo>
-                  <a:lnTo>
-                    <a:pt x="293602" y="501283"/>
-                  </a:lnTo>
-                  <a:lnTo>
-                    <a:pt x="290888" y="429671"/>
-                  </a:lnTo>
-                  <a:lnTo>
-                    <a:pt x="288173" y="358059"/>
-                  </a:lnTo>
-                  <a:lnTo>
-                    <a:pt x="285458" y="286447"/>
-                  </a:lnTo>
-                  <a:lnTo>
-                    <a:pt x="282743" y="214835"/>
-                  </a:lnTo>
-                  <a:lnTo>
-                    <a:pt x="280028" y="143223"/>
-                  </a:lnTo>
-                  <a:lnTo>
-                    <a:pt x="277313" y="71611"/>
-                  </a:lnTo>
-                  <a:lnTo>
-                    <a:pt x="274598" y="0"/>
-                  </a:lnTo>
-                  <a:lnTo>
-                    <a:pt x="182670" y="5527"/>
-                  </a:lnTo>
-                  <a:lnTo>
-                    <a:pt x="91077" y="15121"/>
-                  </a:lnTo>
-                  <a:lnTo>
-                    <a:pt x="0" y="28763"/>
-                  </a:lnTo>
-                  <a:lnTo>
-                    <a:pt x="12183" y="99384"/>
-                  </a:lnTo>
-                  <a:lnTo>
-                    <a:pt x="24367" y="170004"/>
-                  </a:lnTo>
-                  <a:lnTo>
-                    <a:pt x="36551" y="240624"/>
-                  </a:lnTo>
-                  <a:lnTo>
-                    <a:pt x="48735" y="311244"/>
-                  </a:lnTo>
-                  <a:lnTo>
-                    <a:pt x="60918" y="381864"/>
-                  </a:lnTo>
-                  <a:lnTo>
-                    <a:pt x="73102" y="452484"/>
-                  </a:lnTo>
-                  <a:lnTo>
-                    <a:pt x="85286" y="523104"/>
-                  </a:lnTo>
-                  <a:lnTo>
-                    <a:pt x="97470" y="593724"/>
-                  </a:lnTo>
-                  <a:lnTo>
-                    <a:pt x="109654" y="664344"/>
-                  </a:lnTo>
-                  <a:lnTo>
-                    <a:pt x="121837" y="734964"/>
-                  </a:lnTo>
-                  <a:lnTo>
-                    <a:pt x="134021" y="805584"/>
-                  </a:lnTo>
-                  <a:lnTo>
-                    <a:pt x="146205" y="876204"/>
-                  </a:lnTo>
-                  <a:lnTo>
-                    <a:pt x="158389" y="946824"/>
-                  </a:lnTo>
-                  <a:lnTo>
-                    <a:pt x="170573" y="1017444"/>
-                  </a:lnTo>
-                  <a:lnTo>
-                    <a:pt x="182756" y="1088064"/>
-                  </a:lnTo>
-                  <a:lnTo>
-                    <a:pt x="194940" y="1158684"/>
-                  </a:lnTo>
-                  <a:lnTo>
-                    <a:pt x="207124" y="1229304"/>
-                  </a:lnTo>
-                  <a:lnTo>
-                    <a:pt x="219308" y="1299924"/>
-                  </a:lnTo>
-                  <a:lnTo>
-                    <a:pt x="231492" y="1370544"/>
-                  </a:lnTo>
-                  <a:lnTo>
-                    <a:pt x="243675" y="1441164"/>
-                  </a:lnTo>
-                  <a:lnTo>
-                    <a:pt x="255859" y="1511784"/>
-                  </a:lnTo>
-                  <a:lnTo>
-                    <a:pt x="268043" y="1582404"/>
-                  </a:lnTo>
-                  <a:lnTo>
-                    <a:pt x="280227" y="1653024"/>
-                  </a:lnTo>
-                  <a:lnTo>
-                    <a:pt x="292411" y="1723644"/>
-                  </a:lnTo>
-                  <a:lnTo>
-                    <a:pt x="304594" y="1794265"/>
-                  </a:lnTo>
-                  <a:lnTo>
-                    <a:pt x="316778" y="1864885"/>
-                  </a:lnTo>
-                  <a:lnTo>
-                    <a:pt x="328962" y="1935505"/>
-                  </a:lnTo>
-                  <a:lnTo>
-                    <a:pt x="341146" y="2006125"/>
+                    <a:pt x="329877" y="1886534"/>
+                  </a:lnTo>
+                  <a:lnTo>
+                    <a:pt x="327322" y="1819158"/>
+                  </a:lnTo>
+                  <a:lnTo>
+                    <a:pt x="324768" y="1751781"/>
+                  </a:lnTo>
+                  <a:lnTo>
+                    <a:pt x="322214" y="1684405"/>
+                  </a:lnTo>
+                  <a:lnTo>
+                    <a:pt x="319659" y="1617029"/>
+                  </a:lnTo>
+                  <a:lnTo>
+                    <a:pt x="317105" y="1549653"/>
+                  </a:lnTo>
+                  <a:lnTo>
+                    <a:pt x="314551" y="1482277"/>
+                  </a:lnTo>
+                  <a:lnTo>
+                    <a:pt x="311997" y="1414900"/>
+                  </a:lnTo>
+                  <a:lnTo>
+                    <a:pt x="309442" y="1347524"/>
+                  </a:lnTo>
+                  <a:lnTo>
+                    <a:pt x="306888" y="1280148"/>
+                  </a:lnTo>
+                  <a:lnTo>
+                    <a:pt x="304334" y="1212772"/>
+                  </a:lnTo>
+                  <a:lnTo>
+                    <a:pt x="301779" y="1145395"/>
+                  </a:lnTo>
+                  <a:lnTo>
+                    <a:pt x="299225" y="1078019"/>
+                  </a:lnTo>
+                  <a:lnTo>
+                    <a:pt x="296671" y="1010643"/>
+                  </a:lnTo>
+                  <a:lnTo>
+                    <a:pt x="294117" y="943267"/>
+                  </a:lnTo>
+                  <a:lnTo>
+                    <a:pt x="291562" y="875890"/>
+                  </a:lnTo>
+                  <a:lnTo>
+                    <a:pt x="289008" y="808514"/>
+                  </a:lnTo>
+                  <a:lnTo>
+                    <a:pt x="286454" y="741138"/>
+                  </a:lnTo>
+                  <a:lnTo>
+                    <a:pt x="283899" y="673762"/>
+                  </a:lnTo>
+                  <a:lnTo>
+                    <a:pt x="281345" y="606386"/>
+                  </a:lnTo>
+                  <a:lnTo>
+                    <a:pt x="278791" y="539009"/>
+                  </a:lnTo>
+                  <a:lnTo>
+                    <a:pt x="276237" y="471633"/>
+                  </a:lnTo>
+                  <a:lnTo>
+                    <a:pt x="273682" y="404257"/>
+                  </a:lnTo>
+                  <a:lnTo>
+                    <a:pt x="271128" y="336881"/>
+                  </a:lnTo>
+                  <a:lnTo>
+                    <a:pt x="268574" y="269504"/>
+                  </a:lnTo>
+                  <a:lnTo>
+                    <a:pt x="266019" y="202128"/>
+                  </a:lnTo>
+                  <a:lnTo>
+                    <a:pt x="263465" y="134752"/>
+                  </a:lnTo>
+                  <a:lnTo>
+                    <a:pt x="260911" y="67376"/>
+                  </a:lnTo>
+                  <a:lnTo>
+                    <a:pt x="258357" y="0"/>
+                  </a:lnTo>
+                  <a:lnTo>
+                    <a:pt x="171866" y="5200"/>
+                  </a:lnTo>
+                  <a:lnTo>
+                    <a:pt x="85690" y="14226"/>
+                  </a:lnTo>
+                  <a:lnTo>
+                    <a:pt x="0" y="27062"/>
+                  </a:lnTo>
+                  <a:lnTo>
+                    <a:pt x="11463" y="93505"/>
+                  </a:lnTo>
+                  <a:lnTo>
+                    <a:pt x="22926" y="159948"/>
+                  </a:lnTo>
+                  <a:lnTo>
+                    <a:pt x="34389" y="226391"/>
+                  </a:lnTo>
+                  <a:lnTo>
+                    <a:pt x="45852" y="292834"/>
+                  </a:lnTo>
+                  <a:lnTo>
+                    <a:pt x="57315" y="359277"/>
+                  </a:lnTo>
+                  <a:lnTo>
+                    <a:pt x="68778" y="425720"/>
+                  </a:lnTo>
+                  <a:lnTo>
+                    <a:pt x="80242" y="492163"/>
+                  </a:lnTo>
+                  <a:lnTo>
+                    <a:pt x="91705" y="558606"/>
+                  </a:lnTo>
+                  <a:lnTo>
+                    <a:pt x="103168" y="625049"/>
+                  </a:lnTo>
+                  <a:lnTo>
+                    <a:pt x="114631" y="691493"/>
+                  </a:lnTo>
+                  <a:lnTo>
+                    <a:pt x="126094" y="757936"/>
+                  </a:lnTo>
+                  <a:lnTo>
+                    <a:pt x="137557" y="824379"/>
+                  </a:lnTo>
+                  <a:lnTo>
+                    <a:pt x="149020" y="890822"/>
+                  </a:lnTo>
+                  <a:lnTo>
+                    <a:pt x="160484" y="957265"/>
+                  </a:lnTo>
+                  <a:lnTo>
+                    <a:pt x="171947" y="1023708"/>
+                  </a:lnTo>
+                  <a:lnTo>
+                    <a:pt x="183410" y="1090151"/>
+                  </a:lnTo>
+                  <a:lnTo>
+                    <a:pt x="194873" y="1156594"/>
+                  </a:lnTo>
+                  <a:lnTo>
+                    <a:pt x="206336" y="1223037"/>
+                  </a:lnTo>
+                  <a:lnTo>
+                    <a:pt x="217799" y="1289480"/>
+                  </a:lnTo>
+                  <a:lnTo>
+                    <a:pt x="229263" y="1355923"/>
+                  </a:lnTo>
+                  <a:lnTo>
+                    <a:pt x="240726" y="1422366"/>
+                  </a:lnTo>
+                  <a:lnTo>
+                    <a:pt x="252189" y="1488809"/>
+                  </a:lnTo>
+                  <a:lnTo>
+                    <a:pt x="263652" y="1555252"/>
+                  </a:lnTo>
+                  <a:lnTo>
+                    <a:pt x="275115" y="1621695"/>
+                  </a:lnTo>
+                  <a:lnTo>
+                    <a:pt x="286578" y="1688138"/>
+                  </a:lnTo>
+                  <a:lnTo>
+                    <a:pt x="298041" y="1754581"/>
+                  </a:lnTo>
+                  <a:lnTo>
+                    <a:pt x="309505" y="1821024"/>
+                  </a:lnTo>
+                  <a:lnTo>
+                    <a:pt x="320968" y="1887467"/>
                   </a:lnTo>
                   <a:close/>
                 </a:path>
@@ -6712,189 +6766,189 @@
           </p:nvSpPr>
           <p:spPr>
             <a:xfrm>
-              <a:off x="4102710" y="1982747"/>
-              <a:ext cx="78731" cy="2078237"/>
+              <a:off x="4107367" y="1952016"/>
+              <a:ext cx="74074" cy="1955314"/>
             </a:xfrm>
             <a:custGeom>
               <a:avLst/>
               <a:pathLst>
-                <a:path w="78731" h="2078237">
+                <a:path w="74074" h="1955314">
                   <a:moveTo>
-                    <a:pt x="78731" y="2078237"/>
+                    <a:pt x="74074" y="1955314"/>
                   </a:moveTo>
                   <a:lnTo>
-                    <a:pt x="78731" y="2006573"/>
-                  </a:lnTo>
-                  <a:lnTo>
-                    <a:pt x="78731" y="1934910"/>
-                  </a:lnTo>
-                  <a:lnTo>
-                    <a:pt x="78731" y="1863247"/>
-                  </a:lnTo>
-                  <a:lnTo>
-                    <a:pt x="78731" y="1791583"/>
-                  </a:lnTo>
-                  <a:lnTo>
-                    <a:pt x="78731" y="1719920"/>
-                  </a:lnTo>
-                  <a:lnTo>
-                    <a:pt x="78731" y="1648256"/>
-                  </a:lnTo>
-                  <a:lnTo>
-                    <a:pt x="78731" y="1576593"/>
-                  </a:lnTo>
-                  <a:lnTo>
-                    <a:pt x="78731" y="1504930"/>
-                  </a:lnTo>
-                  <a:lnTo>
-                    <a:pt x="78731" y="1433266"/>
-                  </a:lnTo>
-                  <a:lnTo>
-                    <a:pt x="78731" y="1361603"/>
-                  </a:lnTo>
-                  <a:lnTo>
-                    <a:pt x="78731" y="1289940"/>
-                  </a:lnTo>
-                  <a:lnTo>
-                    <a:pt x="78731" y="1218276"/>
-                  </a:lnTo>
-                  <a:lnTo>
-                    <a:pt x="78731" y="1146613"/>
-                  </a:lnTo>
-                  <a:lnTo>
-                    <a:pt x="78731" y="1074950"/>
-                  </a:lnTo>
-                  <a:lnTo>
-                    <a:pt x="78731" y="1003286"/>
-                  </a:lnTo>
-                  <a:lnTo>
-                    <a:pt x="78731" y="931623"/>
-                  </a:lnTo>
-                  <a:lnTo>
-                    <a:pt x="78731" y="859960"/>
-                  </a:lnTo>
-                  <a:lnTo>
-                    <a:pt x="78731" y="788296"/>
-                  </a:lnTo>
-                  <a:lnTo>
-                    <a:pt x="78731" y="716633"/>
-                  </a:lnTo>
-                  <a:lnTo>
-                    <a:pt x="78731" y="644970"/>
-                  </a:lnTo>
-                  <a:lnTo>
-                    <a:pt x="78731" y="573306"/>
-                  </a:lnTo>
-                  <a:lnTo>
-                    <a:pt x="78731" y="501643"/>
-                  </a:lnTo>
-                  <a:lnTo>
-                    <a:pt x="78731" y="429980"/>
-                  </a:lnTo>
-                  <a:lnTo>
-                    <a:pt x="78731" y="358316"/>
-                  </a:lnTo>
-                  <a:lnTo>
-                    <a:pt x="78731" y="286653"/>
-                  </a:lnTo>
-                  <a:lnTo>
-                    <a:pt x="78731" y="214990"/>
-                  </a:lnTo>
-                  <a:lnTo>
-                    <a:pt x="78731" y="143326"/>
-                  </a:lnTo>
-                  <a:lnTo>
-                    <a:pt x="78731" y="71663"/>
-                  </a:lnTo>
-                  <a:lnTo>
-                    <a:pt x="78731" y="0"/>
-                  </a:lnTo>
-                  <a:lnTo>
-                    <a:pt x="0" y="1491"/>
-                  </a:lnTo>
-                  <a:lnTo>
-                    <a:pt x="2714" y="73103"/>
-                  </a:lnTo>
-                  <a:lnTo>
-                    <a:pt x="5429" y="144715"/>
-                  </a:lnTo>
-                  <a:lnTo>
-                    <a:pt x="8144" y="216327"/>
-                  </a:lnTo>
-                  <a:lnTo>
-                    <a:pt x="10859" y="287939"/>
-                  </a:lnTo>
-                  <a:lnTo>
-                    <a:pt x="13574" y="359551"/>
-                  </a:lnTo>
-                  <a:lnTo>
-                    <a:pt x="16289" y="431163"/>
-                  </a:lnTo>
-                  <a:lnTo>
-                    <a:pt x="19004" y="502775"/>
-                  </a:lnTo>
-                  <a:lnTo>
-                    <a:pt x="21718" y="574387"/>
-                  </a:lnTo>
-                  <a:lnTo>
-                    <a:pt x="24433" y="645998"/>
-                  </a:lnTo>
-                  <a:lnTo>
-                    <a:pt x="27148" y="717610"/>
-                  </a:lnTo>
-                  <a:lnTo>
-                    <a:pt x="29863" y="789222"/>
-                  </a:lnTo>
-                  <a:lnTo>
-                    <a:pt x="32578" y="860834"/>
-                  </a:lnTo>
-                  <a:lnTo>
-                    <a:pt x="35293" y="932446"/>
-                  </a:lnTo>
-                  <a:lnTo>
-                    <a:pt x="38008" y="1004058"/>
-                  </a:lnTo>
-                  <a:lnTo>
-                    <a:pt x="40722" y="1075670"/>
-                  </a:lnTo>
-                  <a:lnTo>
-                    <a:pt x="43437" y="1147282"/>
-                  </a:lnTo>
-                  <a:lnTo>
-                    <a:pt x="46152" y="1218894"/>
-                  </a:lnTo>
-                  <a:lnTo>
-                    <a:pt x="48867" y="1290506"/>
-                  </a:lnTo>
-                  <a:lnTo>
-                    <a:pt x="51582" y="1362118"/>
-                  </a:lnTo>
-                  <a:lnTo>
-                    <a:pt x="54297" y="1433729"/>
-                  </a:lnTo>
-                  <a:lnTo>
-                    <a:pt x="57012" y="1505341"/>
-                  </a:lnTo>
-                  <a:lnTo>
-                    <a:pt x="59727" y="1576953"/>
-                  </a:lnTo>
-                  <a:lnTo>
-                    <a:pt x="62441" y="1648565"/>
-                  </a:lnTo>
-                  <a:lnTo>
-                    <a:pt x="65156" y="1720177"/>
-                  </a:lnTo>
-                  <a:lnTo>
-                    <a:pt x="67871" y="1791789"/>
-                  </a:lnTo>
-                  <a:lnTo>
-                    <a:pt x="70586" y="1863401"/>
-                  </a:lnTo>
-                  <a:lnTo>
-                    <a:pt x="73301" y="1935013"/>
-                  </a:lnTo>
-                  <a:lnTo>
-                    <a:pt x="76016" y="2006625"/>
+                    <a:pt x="74074" y="1887889"/>
+                  </a:lnTo>
+                  <a:lnTo>
+                    <a:pt x="74074" y="1820465"/>
+                  </a:lnTo>
+                  <a:lnTo>
+                    <a:pt x="74074" y="1753040"/>
+                  </a:lnTo>
+                  <a:lnTo>
+                    <a:pt x="74074" y="1685615"/>
+                  </a:lnTo>
+                  <a:lnTo>
+                    <a:pt x="74074" y="1618191"/>
+                  </a:lnTo>
+                  <a:lnTo>
+                    <a:pt x="74074" y="1550766"/>
+                  </a:lnTo>
+                  <a:lnTo>
+                    <a:pt x="74074" y="1483341"/>
+                  </a:lnTo>
+                  <a:lnTo>
+                    <a:pt x="74074" y="1415917"/>
+                  </a:lnTo>
+                  <a:lnTo>
+                    <a:pt x="74074" y="1348492"/>
+                  </a:lnTo>
+                  <a:lnTo>
+                    <a:pt x="74074" y="1281067"/>
+                  </a:lnTo>
+                  <a:lnTo>
+                    <a:pt x="74074" y="1213643"/>
+                  </a:lnTo>
+                  <a:lnTo>
+                    <a:pt x="74074" y="1146218"/>
+                  </a:lnTo>
+                  <a:lnTo>
+                    <a:pt x="74074" y="1078794"/>
+                  </a:lnTo>
+                  <a:lnTo>
+                    <a:pt x="74074" y="1011369"/>
+                  </a:lnTo>
+                  <a:lnTo>
+                    <a:pt x="74074" y="943944"/>
+                  </a:lnTo>
+                  <a:lnTo>
+                    <a:pt x="74074" y="876520"/>
+                  </a:lnTo>
+                  <a:lnTo>
+                    <a:pt x="74074" y="809095"/>
+                  </a:lnTo>
+                  <a:lnTo>
+                    <a:pt x="74074" y="741670"/>
+                  </a:lnTo>
+                  <a:lnTo>
+                    <a:pt x="74074" y="674246"/>
+                  </a:lnTo>
+                  <a:lnTo>
+                    <a:pt x="74074" y="606821"/>
+                  </a:lnTo>
+                  <a:lnTo>
+                    <a:pt x="74074" y="539397"/>
+                  </a:lnTo>
+                  <a:lnTo>
+                    <a:pt x="74074" y="471972"/>
+                  </a:lnTo>
+                  <a:lnTo>
+                    <a:pt x="74074" y="404547"/>
+                  </a:lnTo>
+                  <a:lnTo>
+                    <a:pt x="74074" y="337123"/>
+                  </a:lnTo>
+                  <a:lnTo>
+                    <a:pt x="74074" y="269698"/>
+                  </a:lnTo>
+                  <a:lnTo>
+                    <a:pt x="74074" y="202273"/>
+                  </a:lnTo>
+                  <a:lnTo>
+                    <a:pt x="74074" y="134849"/>
+                  </a:lnTo>
+                  <a:lnTo>
+                    <a:pt x="74074" y="67424"/>
+                  </a:lnTo>
+                  <a:lnTo>
+                    <a:pt x="74074" y="0"/>
+                  </a:lnTo>
+                  <a:lnTo>
+                    <a:pt x="0" y="1403"/>
+                  </a:lnTo>
+                  <a:lnTo>
+                    <a:pt x="2554" y="68779"/>
+                  </a:lnTo>
+                  <a:lnTo>
+                    <a:pt x="5108" y="136156"/>
+                  </a:lnTo>
+                  <a:lnTo>
+                    <a:pt x="7662" y="203532"/>
+                  </a:lnTo>
+                  <a:lnTo>
+                    <a:pt x="10217" y="270908"/>
+                  </a:lnTo>
+                  <a:lnTo>
+                    <a:pt x="12771" y="338284"/>
+                  </a:lnTo>
+                  <a:lnTo>
+                    <a:pt x="15325" y="405660"/>
+                  </a:lnTo>
+                  <a:lnTo>
+                    <a:pt x="17880" y="473037"/>
+                  </a:lnTo>
+                  <a:lnTo>
+                    <a:pt x="20434" y="540413"/>
+                  </a:lnTo>
+                  <a:lnTo>
+                    <a:pt x="22988" y="607789"/>
+                  </a:lnTo>
+                  <a:lnTo>
+                    <a:pt x="25542" y="675165"/>
+                  </a:lnTo>
+                  <a:lnTo>
+                    <a:pt x="28097" y="742542"/>
+                  </a:lnTo>
+                  <a:lnTo>
+                    <a:pt x="30651" y="809918"/>
+                  </a:lnTo>
+                  <a:lnTo>
+                    <a:pt x="33205" y="877294"/>
+                  </a:lnTo>
+                  <a:lnTo>
+                    <a:pt x="35760" y="944670"/>
+                  </a:lnTo>
+                  <a:lnTo>
+                    <a:pt x="38314" y="1012047"/>
+                  </a:lnTo>
+                  <a:lnTo>
+                    <a:pt x="40868" y="1079423"/>
+                  </a:lnTo>
+                  <a:lnTo>
+                    <a:pt x="43422" y="1146799"/>
+                  </a:lnTo>
+                  <a:lnTo>
+                    <a:pt x="45977" y="1214175"/>
+                  </a:lnTo>
+                  <a:lnTo>
+                    <a:pt x="48531" y="1281551"/>
+                  </a:lnTo>
+                  <a:lnTo>
+                    <a:pt x="51085" y="1348928"/>
+                  </a:lnTo>
+                  <a:lnTo>
+                    <a:pt x="53640" y="1416304"/>
+                  </a:lnTo>
+                  <a:lnTo>
+                    <a:pt x="56194" y="1483680"/>
+                  </a:lnTo>
+                  <a:lnTo>
+                    <a:pt x="58748" y="1551056"/>
+                  </a:lnTo>
+                  <a:lnTo>
+                    <a:pt x="61302" y="1618433"/>
+                  </a:lnTo>
+                  <a:lnTo>
+                    <a:pt x="63857" y="1685809"/>
+                  </a:lnTo>
+                  <a:lnTo>
+                    <a:pt x="66411" y="1753185"/>
+                  </a:lnTo>
+                  <a:lnTo>
+                    <a:pt x="68965" y="1820561"/>
+                  </a:lnTo>
+                  <a:lnTo>
+                    <a:pt x="71520" y="1887938"/>
                   </a:lnTo>
                   <a:close/>
                 </a:path>
@@ -6929,7 +6983,7 @@
           </p:nvSpPr>
           <p:spPr>
             <a:xfrm>
-              <a:off x="4963339" y="3808476"/>
+              <a:off x="4881764" y="3662634"/>
               <a:ext cx="1194568" cy="202257"/>
             </a:xfrm>
             <a:prstGeom prst="rect">
@@ -6975,7 +7029,7 @@
           </p:nvSpPr>
           <p:spPr>
             <a:xfrm>
-              <a:off x="3845251" y="5287460"/>
+              <a:off x="3826048" y="5054140"/>
               <a:ext cx="1321705" cy="202257"/>
             </a:xfrm>
             <a:prstGeom prst="rect">
@@ -7021,7 +7075,7 @@
           </p:nvSpPr>
           <p:spPr>
             <a:xfrm>
-              <a:off x="3215319" y="5198453"/>
+              <a:off x="3253855" y="4972477"/>
               <a:ext cx="629208" cy="167096"/>
             </a:xfrm>
             <a:prstGeom prst="rect">
@@ -7067,7 +7121,7 @@
           </p:nvSpPr>
           <p:spPr>
             <a:xfrm>
-              <a:off x="2884309" y="4952550"/>
+              <a:off x="2942423" y="4741118"/>
               <a:ext cx="629208" cy="167096"/>
             </a:xfrm>
             <a:prstGeom prst="rect">
@@ -7113,7 +7167,7 @@
           </p:nvSpPr>
           <p:spPr>
             <a:xfrm>
-              <a:off x="2142415" y="4082760"/>
+              <a:off x="2223931" y="3920695"/>
               <a:ext cx="1321705" cy="202257"/>
             </a:xfrm>
             <a:prstGeom prst="rect">
@@ -7159,7 +7213,7 @@
           </p:nvSpPr>
           <p:spPr>
             <a:xfrm>
-              <a:off x="2746269" y="2837127"/>
+              <a:off x="2795828" y="2748738"/>
               <a:ext cx="1194568" cy="202257"/>
             </a:xfrm>
             <a:prstGeom prst="rect">
@@ -7205,7 +7259,7 @@
           </p:nvSpPr>
           <p:spPr>
             <a:xfrm>
-              <a:off x="4016242" y="1632331"/>
+              <a:off x="4016242" y="1616965"/>
               <a:ext cx="330398" cy="172454"/>
             </a:xfrm>
             <a:prstGeom prst="rect">
@@ -7251,7 +7305,7 @@
           </p:nvSpPr>
           <p:spPr>
             <a:xfrm>
-              <a:off x="5326925" y="2078852"/>
+              <a:off x="5245642" y="2037076"/>
               <a:ext cx="457534" cy="172454"/>
             </a:xfrm>
             <a:prstGeom prst="rect">
@@ -7297,7 +7351,7 @@
           </p:nvSpPr>
           <p:spPr>
             <a:xfrm>
-              <a:off x="5657014" y="5570830"/>
+              <a:off x="5556207" y="5322512"/>
               <a:ext cx="457534" cy="172454"/>
             </a:xfrm>
             <a:prstGeom prst="rect">
@@ -7343,7 +7397,7 @@
           </p:nvSpPr>
           <p:spPr>
             <a:xfrm>
-              <a:off x="3230187" y="6193933"/>
+              <a:off x="3272920" y="5908760"/>
               <a:ext cx="457534" cy="172454"/>
             </a:xfrm>
             <a:prstGeom prst="rect">
@@ -7389,7 +7443,7 @@
           </p:nvSpPr>
           <p:spPr>
             <a:xfrm>
-              <a:off x="2578422" y="5861843"/>
+              <a:off x="2659706" y="5596312"/>
               <a:ext cx="457534" cy="172454"/>
             </a:xfrm>
             <a:prstGeom prst="rect">
@@ -7435,7 +7489,7 @@
           </p:nvSpPr>
           <p:spPr>
             <a:xfrm>
-              <a:off x="2061178" y="5344599"/>
+              <a:off x="2173056" y="5109662"/>
               <a:ext cx="457534" cy="172454"/>
             </a:xfrm>
             <a:prstGeom prst="rect">
@@ -7481,7 +7535,7 @@
           </p:nvSpPr>
           <p:spPr>
             <a:xfrm>
-              <a:off x="1837173" y="2974868"/>
+              <a:off x="1962300" y="2880095"/>
               <a:ext cx="457534" cy="172454"/>
             </a:xfrm>
             <a:prstGeom prst="rect">
@@ -7527,7 +7581,7 @@
           </p:nvSpPr>
           <p:spPr>
             <a:xfrm>
-              <a:off x="3514573" y="1673744"/>
+              <a:off x="3540486" y="1655929"/>
               <a:ext cx="457534" cy="172454"/>
             </a:xfrm>
             <a:prstGeom prst="rect">
@@ -7573,7 +7627,7 @@
           </p:nvSpPr>
           <p:spPr>
             <a:xfrm>
-              <a:off x="6893110" y="3686430"/>
+              <a:off x="6739457" y="3532776"/>
               <a:ext cx="741461" cy="749108"/>
             </a:xfrm>
             <a:prstGeom prst="rect">
@@ -7599,7 +7653,7 @@
           </p:nvSpPr>
           <p:spPr>
             <a:xfrm>
-              <a:off x="6893110" y="3662375"/>
+              <a:off x="6739457" y="3508722"/>
               <a:ext cx="406747" cy="211745"/>
             </a:xfrm>
             <a:prstGeom prst="rect">
@@ -7645,7 +7699,7 @@
           </p:nvSpPr>
           <p:spPr>
             <a:xfrm>
-              <a:off x="6893110" y="4012048"/>
+              <a:off x="6739457" y="3858394"/>
               <a:ext cx="182879" cy="211745"/>
             </a:xfrm>
             <a:prstGeom prst="rect">
@@ -7671,7 +7725,7 @@
           </p:nvSpPr>
           <p:spPr>
             <a:xfrm>
-              <a:off x="6897855" y="4016792"/>
+              <a:off x="6744202" y="3863139"/>
               <a:ext cx="173390" cy="202255"/>
             </a:xfrm>
             <a:prstGeom prst="rect">
@@ -7706,7 +7760,7 @@
           </p:nvSpPr>
           <p:spPr>
             <a:xfrm>
-              <a:off x="6893110" y="4223793"/>
+              <a:off x="6739457" y="4070139"/>
               <a:ext cx="182879" cy="211745"/>
             </a:xfrm>
             <a:prstGeom prst="rect">
@@ -7732,7 +7786,7 @@
           </p:nvSpPr>
           <p:spPr>
             <a:xfrm>
-              <a:off x="6897855" y="4228538"/>
+              <a:off x="6744202" y="4074884"/>
               <a:ext cx="173390" cy="202255"/>
             </a:xfrm>
             <a:prstGeom prst="rect">
@@ -7767,7 +7821,7 @@
           </p:nvSpPr>
           <p:spPr>
             <a:xfrm>
-              <a:off x="7189863" y="4035544"/>
+              <a:off x="7036210" y="3881890"/>
               <a:ext cx="387771" cy="164194"/>
             </a:xfrm>
             <a:prstGeom prst="rect">
@@ -7813,7 +7867,7 @@
           </p:nvSpPr>
           <p:spPr>
             <a:xfrm>
-              <a:off x="7189863" y="4247289"/>
+              <a:off x="7036210" y="4093636"/>
               <a:ext cx="387771" cy="164194"/>
             </a:xfrm>
             <a:prstGeom prst="rect">
@@ -7847,6 +7901,52 @@
                   <a:cs typeface="Arial"/>
                 </a:rPr>
                 <a:t>55+</a:t>
+              </a:r>
+            </a:p>
+          </p:txBody>
+        </p:sp>
+        <p:sp>
+          <p:nvSpPr>
+            <p:cNvPr id="40" name="tx38"/>
+            <p:cNvSpPr/>
+            <p:nvPr/>
+          </p:nvSpPr>
+          <p:spPr>
+            <a:xfrm>
+              <a:off x="1680362" y="6665094"/>
+              <a:ext cx="2094457" cy="117580"/>
+            </a:xfrm>
+            <a:prstGeom prst="rect">
+              <a:avLst/>
+            </a:prstGeom>
+            <a:noFill/>
+          </p:spPr>
+          <p:txBody>
+            <a:bodyPr lIns="0" rIns="0" tIns="0" bIns="0" anchorCtr="1" anchor="ctr" wrap="none"/>
+            <a:lstStyle/>
+            <a:p>
+              <a:pPr algn="l" marL="0" marR="0" indent="0">
+                <a:lnSpc>
+                  <a:spcPts val="999"/>
+                </a:lnSpc>
+                <a:spcBef>
+                  <a:spcPts val="0"/>
+                </a:spcBef>
+                <a:spcAft>
+                  <a:spcPts val="0"/>
+                </a:spcAft>
+              </a:pPr>
+              <a:r>
+                <a:rPr sz="999" i="1">
+                  <a:solidFill>
+                    <a:srgbClr val="000000">
+                      <a:alpha val="100000"/>
+                    </a:srgbClr>
+                  </a:solidFill>
+                  <a:latin typeface="Arial"/>
+                  <a:cs typeface="Arial"/>
+                </a:rPr>
+                <a:t>Source: ATO 2017-18 2% sample file</a:t>
               </a:r>
             </a:p>
           </p:txBody>
